--- a/מצגת אוטומטים.pptx
+++ b/מצגת אוטומטים.pptx
@@ -17,6 +17,12 @@
     <p:sldId id="267" r:id="rId11"/>
     <p:sldId id="266" r:id="rId12"/>
     <p:sldId id="265" r:id="rId13"/>
+    <p:sldId id="268" r:id="rId14"/>
+    <p:sldId id="269" r:id="rId15"/>
+    <p:sldId id="270" r:id="rId16"/>
+    <p:sldId id="271" r:id="rId17"/>
+    <p:sldId id="272" r:id="rId18"/>
+    <p:sldId id="273" r:id="rId19"/>
   </p:sldIdLst>
   <p:sldSz cx="12192000" cy="6858000"/>
   <p:notesSz cx="6858000" cy="9144000"/>
@@ -3534,6 +3540,96 @@
           <a:chExt cx="0" cy="0"/>
         </a:xfrm>
       </p:grpSpPr>
+      <p:pic>
+        <p:nvPicPr>
+          <p:cNvPr id="3" name="תמונה 2">
+            <a:extLst>
+              <a:ext uri="{FF2B5EF4-FFF2-40B4-BE49-F238E27FC236}">
+                <a16:creationId xmlns:a16="http://schemas.microsoft.com/office/drawing/2014/main" id="{4F201B97-75A5-C497-D5D3-61392F2C531D}"/>
+              </a:ext>
+            </a:extLst>
+          </p:cNvPr>
+          <p:cNvPicPr>
+            <a:picLocks noChangeAspect="1"/>
+          </p:cNvPicPr>
+          <p:nvPr/>
+        </p:nvPicPr>
+        <p:blipFill>
+          <a:blip r:embed="rId2"/>
+          <a:stretch>
+            <a:fillRect/>
+          </a:stretch>
+        </p:blipFill>
+        <p:spPr>
+          <a:xfrm>
+            <a:off x="0" y="0"/>
+            <a:ext cx="8122987" cy="1429964"/>
+          </a:xfrm>
+          <a:prstGeom prst="rect">
+            <a:avLst/>
+          </a:prstGeom>
+        </p:spPr>
+      </p:pic>
+      <p:pic>
+        <p:nvPicPr>
+          <p:cNvPr id="5" name="תמונה 4">
+            <a:extLst>
+              <a:ext uri="{FF2B5EF4-FFF2-40B4-BE49-F238E27FC236}">
+                <a16:creationId xmlns:a16="http://schemas.microsoft.com/office/drawing/2014/main" id="{32E4DF89-19DE-3DFA-B62C-ED8352059D4E}"/>
+              </a:ext>
+            </a:extLst>
+          </p:cNvPr>
+          <p:cNvPicPr>
+            <a:picLocks noChangeAspect="1"/>
+          </p:cNvPicPr>
+          <p:nvPr/>
+        </p:nvPicPr>
+        <p:blipFill>
+          <a:blip r:embed="rId3"/>
+          <a:stretch>
+            <a:fillRect/>
+          </a:stretch>
+        </p:blipFill>
+        <p:spPr>
+          <a:xfrm>
+            <a:off x="0" y="1624800"/>
+            <a:ext cx="8478433" cy="1238423"/>
+          </a:xfrm>
+          <a:prstGeom prst="rect">
+            <a:avLst/>
+          </a:prstGeom>
+        </p:spPr>
+      </p:pic>
+      <p:pic>
+        <p:nvPicPr>
+          <p:cNvPr id="7" name="תמונה 6">
+            <a:extLst>
+              <a:ext uri="{FF2B5EF4-FFF2-40B4-BE49-F238E27FC236}">
+                <a16:creationId xmlns:a16="http://schemas.microsoft.com/office/drawing/2014/main" id="{DD3E6E12-9621-1818-825C-3260FB295433}"/>
+              </a:ext>
+            </a:extLst>
+          </p:cNvPr>
+          <p:cNvPicPr>
+            <a:picLocks noChangeAspect="1"/>
+          </p:cNvPicPr>
+          <p:nvPr/>
+        </p:nvPicPr>
+        <p:blipFill>
+          <a:blip r:embed="rId4"/>
+          <a:stretch>
+            <a:fillRect/>
+          </a:stretch>
+        </p:blipFill>
+        <p:spPr>
+          <a:xfrm>
+            <a:off x="509547" y="3153746"/>
+            <a:ext cx="7103891" cy="1423570"/>
+          </a:xfrm>
+          <a:prstGeom prst="rect">
+            <a:avLst/>
+          </a:prstGeom>
+        </p:spPr>
+      </p:pic>
     </p:spTree>
     <p:extLst>
       <p:ext uri="{BB962C8B-B14F-4D97-AF65-F5344CB8AC3E}">
@@ -3570,6 +3666,96 @@
           <a:chExt cx="0" cy="0"/>
         </a:xfrm>
       </p:grpSpPr>
+      <p:pic>
+        <p:nvPicPr>
+          <p:cNvPr id="3" name="תמונה 2">
+            <a:extLst>
+              <a:ext uri="{FF2B5EF4-FFF2-40B4-BE49-F238E27FC236}">
+                <a16:creationId xmlns:a16="http://schemas.microsoft.com/office/drawing/2014/main" id="{E0A1181B-F6DE-7BB2-4C03-CC5C28B284A8}"/>
+              </a:ext>
+            </a:extLst>
+          </p:cNvPr>
+          <p:cNvPicPr>
+            <a:picLocks noChangeAspect="1"/>
+          </p:cNvPicPr>
+          <p:nvPr/>
+        </p:nvPicPr>
+        <p:blipFill>
+          <a:blip r:embed="rId2"/>
+          <a:stretch>
+            <a:fillRect/>
+          </a:stretch>
+        </p:blipFill>
+        <p:spPr>
+          <a:xfrm>
+            <a:off x="3238101" y="125963"/>
+            <a:ext cx="5715798" cy="933580"/>
+          </a:xfrm>
+          <a:prstGeom prst="rect">
+            <a:avLst/>
+          </a:prstGeom>
+        </p:spPr>
+      </p:pic>
+      <p:pic>
+        <p:nvPicPr>
+          <p:cNvPr id="11" name="תמונה 10">
+            <a:extLst>
+              <a:ext uri="{FF2B5EF4-FFF2-40B4-BE49-F238E27FC236}">
+                <a16:creationId xmlns:a16="http://schemas.microsoft.com/office/drawing/2014/main" id="{E001FB6F-E7B3-36B0-D5C2-F98C26E52E8D}"/>
+              </a:ext>
+            </a:extLst>
+          </p:cNvPr>
+          <p:cNvPicPr>
+            <a:picLocks noChangeAspect="1"/>
+          </p:cNvPicPr>
+          <p:nvPr/>
+        </p:nvPicPr>
+        <p:blipFill>
+          <a:blip r:embed="rId3"/>
+          <a:stretch>
+            <a:fillRect/>
+          </a:stretch>
+        </p:blipFill>
+        <p:spPr>
+          <a:xfrm>
+            <a:off x="2922990" y="902525"/>
+            <a:ext cx="4572638" cy="2686425"/>
+          </a:xfrm>
+          <a:prstGeom prst="rect">
+            <a:avLst/>
+          </a:prstGeom>
+        </p:spPr>
+      </p:pic>
+      <p:pic>
+        <p:nvPicPr>
+          <p:cNvPr id="13" name="תמונה 12">
+            <a:extLst>
+              <a:ext uri="{FF2B5EF4-FFF2-40B4-BE49-F238E27FC236}">
+                <a16:creationId xmlns:a16="http://schemas.microsoft.com/office/drawing/2014/main" id="{73C4A337-1B46-51CC-1B28-7E2CC445F698}"/>
+              </a:ext>
+            </a:extLst>
+          </p:cNvPr>
+          <p:cNvPicPr>
+            <a:picLocks noChangeAspect="1"/>
+          </p:cNvPicPr>
+          <p:nvPr/>
+        </p:nvPicPr>
+        <p:blipFill>
+          <a:blip r:embed="rId4"/>
+          <a:stretch>
+            <a:fillRect/>
+          </a:stretch>
+        </p:blipFill>
+        <p:spPr>
+          <a:xfrm>
+            <a:off x="3256574" y="3699998"/>
+            <a:ext cx="5430008" cy="2524477"/>
+          </a:xfrm>
+          <a:prstGeom prst="rect">
+            <a:avLst/>
+          </a:prstGeom>
+        </p:spPr>
+      </p:pic>
     </p:spTree>
     <p:extLst>
       <p:ext uri="{BB962C8B-B14F-4D97-AF65-F5344CB8AC3E}">
@@ -3606,10 +3792,913 @@
           <a:chExt cx="0" cy="0"/>
         </a:xfrm>
       </p:grpSpPr>
+      <p:pic>
+        <p:nvPicPr>
+          <p:cNvPr id="9" name="תמונה 8">
+            <a:extLst>
+              <a:ext uri="{FF2B5EF4-FFF2-40B4-BE49-F238E27FC236}">
+                <a16:creationId xmlns:a16="http://schemas.microsoft.com/office/drawing/2014/main" id="{6EF75FC2-247D-B9A3-EBB0-5DDECA17005A}"/>
+              </a:ext>
+            </a:extLst>
+          </p:cNvPr>
+          <p:cNvPicPr>
+            <a:picLocks noChangeAspect="1"/>
+          </p:cNvPicPr>
+          <p:nvPr/>
+        </p:nvPicPr>
+        <p:blipFill>
+          <a:blip r:embed="rId2"/>
+          <a:stretch>
+            <a:fillRect/>
+          </a:stretch>
+        </p:blipFill>
+        <p:spPr>
+          <a:xfrm>
+            <a:off x="461973" y="571151"/>
+            <a:ext cx="6383964" cy="2344432"/>
+          </a:xfrm>
+          <a:prstGeom prst="rect">
+            <a:avLst/>
+          </a:prstGeom>
+        </p:spPr>
+      </p:pic>
+      <p:pic>
+        <p:nvPicPr>
+          <p:cNvPr id="3" name="תמונה 2">
+            <a:extLst>
+              <a:ext uri="{FF2B5EF4-FFF2-40B4-BE49-F238E27FC236}">
+                <a16:creationId xmlns:a16="http://schemas.microsoft.com/office/drawing/2014/main" id="{3C867AA7-02FC-1E09-9FBF-0A3CDA82FBF3}"/>
+              </a:ext>
+            </a:extLst>
+          </p:cNvPr>
+          <p:cNvPicPr>
+            <a:picLocks noChangeAspect="1"/>
+          </p:cNvPicPr>
+          <p:nvPr/>
+        </p:nvPicPr>
+        <p:blipFill>
+          <a:blip r:embed="rId3"/>
+          <a:stretch>
+            <a:fillRect/>
+          </a:stretch>
+        </p:blipFill>
+        <p:spPr>
+          <a:xfrm>
+            <a:off x="6281048" y="69194"/>
+            <a:ext cx="5744377" cy="3191320"/>
+          </a:xfrm>
+          <a:prstGeom prst="rect">
+            <a:avLst/>
+          </a:prstGeom>
+        </p:spPr>
+      </p:pic>
+      <p:pic>
+        <p:nvPicPr>
+          <p:cNvPr id="5" name="תמונה 4">
+            <a:extLst>
+              <a:ext uri="{FF2B5EF4-FFF2-40B4-BE49-F238E27FC236}">
+                <a16:creationId xmlns:a16="http://schemas.microsoft.com/office/drawing/2014/main" id="{F60763A4-A9DD-F8D7-831F-7AEC8305DD74}"/>
+              </a:ext>
+            </a:extLst>
+          </p:cNvPr>
+          <p:cNvPicPr>
+            <a:picLocks noChangeAspect="1"/>
+          </p:cNvPicPr>
+          <p:nvPr/>
+        </p:nvPicPr>
+        <p:blipFill>
+          <a:blip r:embed="rId4"/>
+          <a:stretch>
+            <a:fillRect/>
+          </a:stretch>
+        </p:blipFill>
+        <p:spPr>
+          <a:xfrm>
+            <a:off x="4234912" y="3591522"/>
+            <a:ext cx="7118933" cy="2527737"/>
+          </a:xfrm>
+          <a:prstGeom prst="rect">
+            <a:avLst/>
+          </a:prstGeom>
+        </p:spPr>
+      </p:pic>
     </p:spTree>
     <p:extLst>
       <p:ext uri="{BB962C8B-B14F-4D97-AF65-F5344CB8AC3E}">
         <p14:creationId xmlns:p14="http://schemas.microsoft.com/office/powerpoint/2010/main" val="4031922448"/>
+      </p:ext>
+    </p:extLst>
+  </p:cSld>
+  <p:clrMapOvr>
+    <a:masterClrMapping/>
+  </p:clrMapOvr>
+</p:sld>
+</file>
+
+<file path=ppt/slides/slide13.xml><?xml version="1.0" encoding="utf-8"?>
+<p:sld xmlns:a="http://schemas.openxmlformats.org/drawingml/2006/main" xmlns:r="http://schemas.openxmlformats.org/officeDocument/2006/relationships" xmlns:p="http://schemas.openxmlformats.org/presentationml/2006/main">
+  <p:cSld>
+    <p:spTree>
+      <p:nvGrpSpPr>
+        <p:cNvPr id="1" name="">
+          <a:extLst>
+            <a:ext uri="{FF2B5EF4-FFF2-40B4-BE49-F238E27FC236}">
+              <a16:creationId xmlns:a16="http://schemas.microsoft.com/office/drawing/2014/main" id="{1FC9865C-C2FC-DCA2-360B-948D3971762D}"/>
+            </a:ext>
+          </a:extLst>
+        </p:cNvPr>
+        <p:cNvGrpSpPr/>
+        <p:nvPr/>
+      </p:nvGrpSpPr>
+      <p:grpSpPr>
+        <a:xfrm>
+          <a:off x="0" y="0"/>
+          <a:ext cx="0" cy="0"/>
+          <a:chOff x="0" y="0"/>
+          <a:chExt cx="0" cy="0"/>
+        </a:xfrm>
+      </p:grpSpPr>
+      <p:pic>
+        <p:nvPicPr>
+          <p:cNvPr id="5" name="תמונה 4">
+            <a:extLst>
+              <a:ext uri="{FF2B5EF4-FFF2-40B4-BE49-F238E27FC236}">
+                <a16:creationId xmlns:a16="http://schemas.microsoft.com/office/drawing/2014/main" id="{F967782B-4208-D1E9-C8C8-AC56A98EC4B8}"/>
+              </a:ext>
+            </a:extLst>
+          </p:cNvPr>
+          <p:cNvPicPr>
+            <a:picLocks noChangeAspect="1"/>
+          </p:cNvPicPr>
+          <p:nvPr/>
+        </p:nvPicPr>
+        <p:blipFill>
+          <a:blip r:embed="rId2"/>
+          <a:stretch>
+            <a:fillRect/>
+          </a:stretch>
+        </p:blipFill>
+        <p:spPr>
+          <a:xfrm>
+            <a:off x="4347621" y="88664"/>
+            <a:ext cx="7763958" cy="1305107"/>
+          </a:xfrm>
+          <a:prstGeom prst="rect">
+            <a:avLst/>
+          </a:prstGeom>
+        </p:spPr>
+      </p:pic>
+      <p:pic>
+        <p:nvPicPr>
+          <p:cNvPr id="7" name="תמונה 6">
+            <a:extLst>
+              <a:ext uri="{FF2B5EF4-FFF2-40B4-BE49-F238E27FC236}">
+                <a16:creationId xmlns:a16="http://schemas.microsoft.com/office/drawing/2014/main" id="{D6739B7C-8251-230D-EEEC-FB4D436ADB3D}"/>
+              </a:ext>
+            </a:extLst>
+          </p:cNvPr>
+          <p:cNvPicPr>
+            <a:picLocks noChangeAspect="1"/>
+          </p:cNvPicPr>
+          <p:nvPr/>
+        </p:nvPicPr>
+        <p:blipFill>
+          <a:blip r:embed="rId3"/>
+          <a:stretch>
+            <a:fillRect/>
+          </a:stretch>
+        </p:blipFill>
+        <p:spPr>
+          <a:xfrm>
+            <a:off x="6738729" y="4596337"/>
+            <a:ext cx="5372850" cy="1800476"/>
+          </a:xfrm>
+          <a:prstGeom prst="rect">
+            <a:avLst/>
+          </a:prstGeom>
+        </p:spPr>
+      </p:pic>
+      <p:pic>
+        <p:nvPicPr>
+          <p:cNvPr id="9" name="תמונה 8">
+            <a:extLst>
+              <a:ext uri="{FF2B5EF4-FFF2-40B4-BE49-F238E27FC236}">
+                <a16:creationId xmlns:a16="http://schemas.microsoft.com/office/drawing/2014/main" id="{45B4EEE8-CABF-55F1-7A0E-D9D3D32F249C}"/>
+              </a:ext>
+            </a:extLst>
+          </p:cNvPr>
+          <p:cNvPicPr>
+            <a:picLocks noChangeAspect="1"/>
+          </p:cNvPicPr>
+          <p:nvPr/>
+        </p:nvPicPr>
+        <p:blipFill>
+          <a:blip r:embed="rId4"/>
+          <a:stretch>
+            <a:fillRect/>
+          </a:stretch>
+        </p:blipFill>
+        <p:spPr>
+          <a:xfrm>
+            <a:off x="7872362" y="1393771"/>
+            <a:ext cx="4239217" cy="800212"/>
+          </a:xfrm>
+          <a:prstGeom prst="rect">
+            <a:avLst/>
+          </a:prstGeom>
+        </p:spPr>
+      </p:pic>
+      <p:pic>
+        <p:nvPicPr>
+          <p:cNvPr id="11" name="תמונה 10">
+            <a:extLst>
+              <a:ext uri="{FF2B5EF4-FFF2-40B4-BE49-F238E27FC236}">
+                <a16:creationId xmlns:a16="http://schemas.microsoft.com/office/drawing/2014/main" id="{8972038F-5EF4-C07A-FF89-9B9C0B85859B}"/>
+              </a:ext>
+            </a:extLst>
+          </p:cNvPr>
+          <p:cNvPicPr>
+            <a:picLocks noChangeAspect="1"/>
+          </p:cNvPicPr>
+          <p:nvPr/>
+        </p:nvPicPr>
+        <p:blipFill>
+          <a:blip r:embed="rId5"/>
+          <a:stretch>
+            <a:fillRect/>
+          </a:stretch>
+        </p:blipFill>
+        <p:spPr>
+          <a:xfrm>
+            <a:off x="5891481" y="2193983"/>
+            <a:ext cx="6173061" cy="1476581"/>
+          </a:xfrm>
+          <a:prstGeom prst="rect">
+            <a:avLst/>
+          </a:prstGeom>
+        </p:spPr>
+      </p:pic>
+      <p:pic>
+        <p:nvPicPr>
+          <p:cNvPr id="13" name="תמונה 12">
+            <a:extLst>
+              <a:ext uri="{FF2B5EF4-FFF2-40B4-BE49-F238E27FC236}">
+                <a16:creationId xmlns:a16="http://schemas.microsoft.com/office/drawing/2014/main" id="{CE04F30E-5312-36BE-7AD8-F09A790747D9}"/>
+              </a:ext>
+            </a:extLst>
+          </p:cNvPr>
+          <p:cNvPicPr>
+            <a:picLocks noChangeAspect="1"/>
+          </p:cNvPicPr>
+          <p:nvPr/>
+        </p:nvPicPr>
+        <p:blipFill>
+          <a:blip r:embed="rId6"/>
+          <a:stretch>
+            <a:fillRect/>
+          </a:stretch>
+        </p:blipFill>
+        <p:spPr>
+          <a:xfrm>
+            <a:off x="7800702" y="3747634"/>
+            <a:ext cx="3905795" cy="771633"/>
+          </a:xfrm>
+          <a:prstGeom prst="rect">
+            <a:avLst/>
+          </a:prstGeom>
+        </p:spPr>
+      </p:pic>
+      <p:pic>
+        <p:nvPicPr>
+          <p:cNvPr id="15" name="תמונה 14">
+            <a:extLst>
+              <a:ext uri="{FF2B5EF4-FFF2-40B4-BE49-F238E27FC236}">
+                <a16:creationId xmlns:a16="http://schemas.microsoft.com/office/drawing/2014/main" id="{70D531CE-F676-F696-335E-7CA00753BDE0}"/>
+              </a:ext>
+            </a:extLst>
+          </p:cNvPr>
+          <p:cNvPicPr>
+            <a:picLocks noChangeAspect="1"/>
+          </p:cNvPicPr>
+          <p:nvPr/>
+        </p:nvPicPr>
+        <p:blipFill>
+          <a:blip r:embed="rId7"/>
+          <a:stretch>
+            <a:fillRect/>
+          </a:stretch>
+        </p:blipFill>
+        <p:spPr>
+          <a:xfrm>
+            <a:off x="127458" y="1588311"/>
+            <a:ext cx="4525006" cy="781159"/>
+          </a:xfrm>
+          <a:prstGeom prst="rect">
+            <a:avLst/>
+          </a:prstGeom>
+        </p:spPr>
+      </p:pic>
+      <p:pic>
+        <p:nvPicPr>
+          <p:cNvPr id="17" name="תמונה 16">
+            <a:extLst>
+              <a:ext uri="{FF2B5EF4-FFF2-40B4-BE49-F238E27FC236}">
+                <a16:creationId xmlns:a16="http://schemas.microsoft.com/office/drawing/2014/main" id="{EAB3BE2F-6F5B-F857-F09C-4FAA1094C136}"/>
+              </a:ext>
+            </a:extLst>
+          </p:cNvPr>
+          <p:cNvPicPr>
+            <a:picLocks noChangeAspect="1"/>
+          </p:cNvPicPr>
+          <p:nvPr/>
+        </p:nvPicPr>
+        <p:blipFill>
+          <a:blip r:embed="rId8"/>
+          <a:stretch>
+            <a:fillRect/>
+          </a:stretch>
+        </p:blipFill>
+        <p:spPr>
+          <a:xfrm>
+            <a:off x="246165" y="2532369"/>
+            <a:ext cx="4888581" cy="1378041"/>
+          </a:xfrm>
+          <a:prstGeom prst="rect">
+            <a:avLst/>
+          </a:prstGeom>
+        </p:spPr>
+      </p:pic>
+    </p:spTree>
+    <p:extLst>
+      <p:ext uri="{BB962C8B-B14F-4D97-AF65-F5344CB8AC3E}">
+        <p14:creationId xmlns:p14="http://schemas.microsoft.com/office/powerpoint/2010/main" val="1203250355"/>
+      </p:ext>
+    </p:extLst>
+  </p:cSld>
+  <p:clrMapOvr>
+    <a:masterClrMapping/>
+  </p:clrMapOvr>
+</p:sld>
+</file>
+
+<file path=ppt/slides/slide14.xml><?xml version="1.0" encoding="utf-8"?>
+<p:sld xmlns:a="http://schemas.openxmlformats.org/drawingml/2006/main" xmlns:r="http://schemas.openxmlformats.org/officeDocument/2006/relationships" xmlns:p="http://schemas.openxmlformats.org/presentationml/2006/main">
+  <p:cSld>
+    <p:spTree>
+      <p:nvGrpSpPr>
+        <p:cNvPr id="1" name="">
+          <a:extLst>
+            <a:ext uri="{FF2B5EF4-FFF2-40B4-BE49-F238E27FC236}">
+              <a16:creationId xmlns:a16="http://schemas.microsoft.com/office/drawing/2014/main" id="{083D887D-BEFC-CD00-7B5A-98033F669584}"/>
+            </a:ext>
+          </a:extLst>
+        </p:cNvPr>
+        <p:cNvGrpSpPr/>
+        <p:nvPr/>
+      </p:nvGrpSpPr>
+      <p:grpSpPr>
+        <a:xfrm>
+          <a:off x="0" y="0"/>
+          <a:ext cx="0" cy="0"/>
+          <a:chOff x="0" y="0"/>
+          <a:chExt cx="0" cy="0"/>
+        </a:xfrm>
+      </p:grpSpPr>
+      <p:pic>
+        <p:nvPicPr>
+          <p:cNvPr id="3" name="תמונה 2">
+            <a:extLst>
+              <a:ext uri="{FF2B5EF4-FFF2-40B4-BE49-F238E27FC236}">
+                <a16:creationId xmlns:a16="http://schemas.microsoft.com/office/drawing/2014/main" id="{6E1CF3BA-43FF-96F9-7655-6293AAB07DFE}"/>
+              </a:ext>
+            </a:extLst>
+          </p:cNvPr>
+          <p:cNvPicPr>
+            <a:picLocks noChangeAspect="1"/>
+          </p:cNvPicPr>
+          <p:nvPr/>
+        </p:nvPicPr>
+        <p:blipFill>
+          <a:blip r:embed="rId2"/>
+          <a:stretch>
+            <a:fillRect/>
+          </a:stretch>
+        </p:blipFill>
+        <p:spPr>
+          <a:xfrm>
+            <a:off x="3681265" y="1403928"/>
+            <a:ext cx="4987269" cy="1155903"/>
+          </a:xfrm>
+          <a:prstGeom prst="rect">
+            <a:avLst/>
+          </a:prstGeom>
+        </p:spPr>
+      </p:pic>
+      <p:pic>
+        <p:nvPicPr>
+          <p:cNvPr id="5" name="תמונה 4">
+            <a:extLst>
+              <a:ext uri="{FF2B5EF4-FFF2-40B4-BE49-F238E27FC236}">
+                <a16:creationId xmlns:a16="http://schemas.microsoft.com/office/drawing/2014/main" id="{5F30D807-DD03-5F7F-90D5-E6269B8CFD63}"/>
+              </a:ext>
+            </a:extLst>
+          </p:cNvPr>
+          <p:cNvPicPr>
+            <a:picLocks noChangeAspect="1"/>
+          </p:cNvPicPr>
+          <p:nvPr/>
+        </p:nvPicPr>
+        <p:blipFill>
+          <a:blip r:embed="rId3"/>
+          <a:stretch>
+            <a:fillRect/>
+          </a:stretch>
+        </p:blipFill>
+        <p:spPr>
+          <a:xfrm>
+            <a:off x="2781370" y="91355"/>
+            <a:ext cx="9326277" cy="1190791"/>
+          </a:xfrm>
+          <a:prstGeom prst="rect">
+            <a:avLst/>
+          </a:prstGeom>
+        </p:spPr>
+      </p:pic>
+      <p:pic>
+        <p:nvPicPr>
+          <p:cNvPr id="7" name="תמונה 6">
+            <a:extLst>
+              <a:ext uri="{FF2B5EF4-FFF2-40B4-BE49-F238E27FC236}">
+                <a16:creationId xmlns:a16="http://schemas.microsoft.com/office/drawing/2014/main" id="{C7CB8A3D-F926-C61F-EDB2-7DD34A8FF861}"/>
+              </a:ext>
+            </a:extLst>
+          </p:cNvPr>
+          <p:cNvPicPr>
+            <a:picLocks noChangeAspect="1"/>
+          </p:cNvPicPr>
+          <p:nvPr/>
+        </p:nvPicPr>
+        <p:blipFill>
+          <a:blip r:embed="rId4"/>
+          <a:stretch>
+            <a:fillRect/>
+          </a:stretch>
+        </p:blipFill>
+        <p:spPr>
+          <a:xfrm>
+            <a:off x="9964169" y="1282146"/>
+            <a:ext cx="1943371" cy="590632"/>
+          </a:xfrm>
+          <a:prstGeom prst="rect">
+            <a:avLst/>
+          </a:prstGeom>
+        </p:spPr>
+      </p:pic>
+      <p:pic>
+        <p:nvPicPr>
+          <p:cNvPr id="11" name="תמונה 10">
+            <a:extLst>
+              <a:ext uri="{FF2B5EF4-FFF2-40B4-BE49-F238E27FC236}">
+                <a16:creationId xmlns:a16="http://schemas.microsoft.com/office/drawing/2014/main" id="{3C787605-A6DF-3B7E-2605-E922FDB55A55}"/>
+              </a:ext>
+            </a:extLst>
+          </p:cNvPr>
+          <p:cNvPicPr>
+            <a:picLocks noChangeAspect="1"/>
+          </p:cNvPicPr>
+          <p:nvPr/>
+        </p:nvPicPr>
+        <p:blipFill>
+          <a:blip r:embed="rId5"/>
+          <a:stretch>
+            <a:fillRect/>
+          </a:stretch>
+        </p:blipFill>
+        <p:spPr>
+          <a:xfrm>
+            <a:off x="8868641" y="1872778"/>
+            <a:ext cx="3038899" cy="1838582"/>
+          </a:xfrm>
+          <a:prstGeom prst="rect">
+            <a:avLst/>
+          </a:prstGeom>
+        </p:spPr>
+      </p:pic>
+      <p:pic>
+        <p:nvPicPr>
+          <p:cNvPr id="13" name="תמונה 12">
+            <a:extLst>
+              <a:ext uri="{FF2B5EF4-FFF2-40B4-BE49-F238E27FC236}">
+                <a16:creationId xmlns:a16="http://schemas.microsoft.com/office/drawing/2014/main" id="{12876938-6EA6-8B1F-C95B-4DC897FBC478}"/>
+              </a:ext>
+            </a:extLst>
+          </p:cNvPr>
+          <p:cNvPicPr>
+            <a:picLocks noChangeAspect="1"/>
+          </p:cNvPicPr>
+          <p:nvPr/>
+        </p:nvPicPr>
+        <p:blipFill>
+          <a:blip r:embed="rId6"/>
+          <a:stretch>
+            <a:fillRect/>
+          </a:stretch>
+        </p:blipFill>
+        <p:spPr>
+          <a:xfrm>
+            <a:off x="4063156" y="3833243"/>
+            <a:ext cx="7944959" cy="1962424"/>
+          </a:xfrm>
+          <a:prstGeom prst="rect">
+            <a:avLst/>
+          </a:prstGeom>
+        </p:spPr>
+      </p:pic>
+      <p:pic>
+        <p:nvPicPr>
+          <p:cNvPr id="15" name="תמונה 14">
+            <a:extLst>
+              <a:ext uri="{FF2B5EF4-FFF2-40B4-BE49-F238E27FC236}">
+                <a16:creationId xmlns:a16="http://schemas.microsoft.com/office/drawing/2014/main" id="{35833E29-52CB-AC70-61F2-F9F24D6860BE}"/>
+              </a:ext>
+            </a:extLst>
+          </p:cNvPr>
+          <p:cNvPicPr>
+            <a:picLocks noChangeAspect="1"/>
+          </p:cNvPicPr>
+          <p:nvPr/>
+        </p:nvPicPr>
+        <p:blipFill>
+          <a:blip r:embed="rId7"/>
+          <a:stretch>
+            <a:fillRect/>
+          </a:stretch>
+        </p:blipFill>
+        <p:spPr>
+          <a:xfrm>
+            <a:off x="1827759" y="3190462"/>
+            <a:ext cx="6803830" cy="1041796"/>
+          </a:xfrm>
+          <a:prstGeom prst="rect">
+            <a:avLst/>
+          </a:prstGeom>
+        </p:spPr>
+      </p:pic>
+    </p:spTree>
+    <p:extLst>
+      <p:ext uri="{BB962C8B-B14F-4D97-AF65-F5344CB8AC3E}">
+        <p14:creationId xmlns:p14="http://schemas.microsoft.com/office/powerpoint/2010/main" val="2720854708"/>
+      </p:ext>
+    </p:extLst>
+  </p:cSld>
+  <p:clrMapOvr>
+    <a:masterClrMapping/>
+  </p:clrMapOvr>
+</p:sld>
+</file>
+
+<file path=ppt/slides/slide15.xml><?xml version="1.0" encoding="utf-8"?>
+<p:sld xmlns:a="http://schemas.openxmlformats.org/drawingml/2006/main" xmlns:r="http://schemas.openxmlformats.org/officeDocument/2006/relationships" xmlns:p="http://schemas.openxmlformats.org/presentationml/2006/main">
+  <p:cSld>
+    <p:spTree>
+      <p:nvGrpSpPr>
+        <p:cNvPr id="1" name=""/>
+        <p:cNvGrpSpPr/>
+        <p:nvPr/>
+      </p:nvGrpSpPr>
+      <p:grpSpPr>
+        <a:xfrm>
+          <a:off x="0" y="0"/>
+          <a:ext cx="0" cy="0"/>
+          <a:chOff x="0" y="0"/>
+          <a:chExt cx="0" cy="0"/>
+        </a:xfrm>
+      </p:grpSpPr>
+      <p:pic>
+        <p:nvPicPr>
+          <p:cNvPr id="5" name="תמונה 4">
+            <a:extLst>
+              <a:ext uri="{FF2B5EF4-FFF2-40B4-BE49-F238E27FC236}">
+                <a16:creationId xmlns:a16="http://schemas.microsoft.com/office/drawing/2014/main" id="{E625C5FB-924E-027F-8648-1ACFDFFBDB8C}"/>
+              </a:ext>
+            </a:extLst>
+          </p:cNvPr>
+          <p:cNvPicPr>
+            <a:picLocks noChangeAspect="1"/>
+          </p:cNvPicPr>
+          <p:nvPr/>
+        </p:nvPicPr>
+        <p:blipFill>
+          <a:blip r:embed="rId2"/>
+          <a:stretch>
+            <a:fillRect/>
+          </a:stretch>
+        </p:blipFill>
+        <p:spPr>
+          <a:xfrm>
+            <a:off x="2817090" y="364715"/>
+            <a:ext cx="7738360" cy="5865212"/>
+          </a:xfrm>
+          <a:prstGeom prst="rect">
+            <a:avLst/>
+          </a:prstGeom>
+        </p:spPr>
+      </p:pic>
+    </p:spTree>
+    <p:extLst>
+      <p:ext uri="{BB962C8B-B14F-4D97-AF65-F5344CB8AC3E}">
+        <p14:creationId xmlns:p14="http://schemas.microsoft.com/office/powerpoint/2010/main" val="2520040222"/>
+      </p:ext>
+    </p:extLst>
+  </p:cSld>
+  <p:clrMapOvr>
+    <a:masterClrMapping/>
+  </p:clrMapOvr>
+</p:sld>
+</file>
+
+<file path=ppt/slides/slide16.xml><?xml version="1.0" encoding="utf-8"?>
+<p:sld xmlns:a="http://schemas.openxmlformats.org/drawingml/2006/main" xmlns:r="http://schemas.openxmlformats.org/officeDocument/2006/relationships" xmlns:p="http://schemas.openxmlformats.org/presentationml/2006/main">
+  <p:cSld>
+    <p:spTree>
+      <p:nvGrpSpPr>
+        <p:cNvPr id="1" name="">
+          <a:extLst>
+            <a:ext uri="{FF2B5EF4-FFF2-40B4-BE49-F238E27FC236}">
+              <a16:creationId xmlns:a16="http://schemas.microsoft.com/office/drawing/2014/main" id="{DFC2B09E-CA7A-A84F-A3EB-FCC0B1E3457F}"/>
+            </a:ext>
+          </a:extLst>
+        </p:cNvPr>
+        <p:cNvGrpSpPr/>
+        <p:nvPr/>
+      </p:nvGrpSpPr>
+      <p:grpSpPr>
+        <a:xfrm>
+          <a:off x="0" y="0"/>
+          <a:ext cx="0" cy="0"/>
+          <a:chOff x="0" y="0"/>
+          <a:chExt cx="0" cy="0"/>
+        </a:xfrm>
+      </p:grpSpPr>
+      <p:pic>
+        <p:nvPicPr>
+          <p:cNvPr id="3" name="תמונה 2">
+            <a:extLst>
+              <a:ext uri="{FF2B5EF4-FFF2-40B4-BE49-F238E27FC236}">
+                <a16:creationId xmlns:a16="http://schemas.microsoft.com/office/drawing/2014/main" id="{60EC87C9-73EB-02CA-71F9-F8EC53DE5990}"/>
+              </a:ext>
+            </a:extLst>
+          </p:cNvPr>
+          <p:cNvPicPr>
+            <a:picLocks noChangeAspect="1"/>
+          </p:cNvPicPr>
+          <p:nvPr/>
+        </p:nvPicPr>
+        <p:blipFill>
+          <a:blip r:embed="rId2"/>
+          <a:stretch>
+            <a:fillRect/>
+          </a:stretch>
+        </p:blipFill>
+        <p:spPr>
+          <a:xfrm>
+            <a:off x="980733" y="269166"/>
+            <a:ext cx="11117226" cy="1886213"/>
+          </a:xfrm>
+          <a:prstGeom prst="rect">
+            <a:avLst/>
+          </a:prstGeom>
+        </p:spPr>
+      </p:pic>
+      <p:pic>
+        <p:nvPicPr>
+          <p:cNvPr id="5" name="תמונה 4">
+            <a:extLst>
+              <a:ext uri="{FF2B5EF4-FFF2-40B4-BE49-F238E27FC236}">
+                <a16:creationId xmlns:a16="http://schemas.microsoft.com/office/drawing/2014/main" id="{3D18B0CF-B213-F9E9-A500-55D2A99C83E8}"/>
+              </a:ext>
+            </a:extLst>
+          </p:cNvPr>
+          <p:cNvPicPr>
+            <a:picLocks noChangeAspect="1"/>
+          </p:cNvPicPr>
+          <p:nvPr/>
+        </p:nvPicPr>
+        <p:blipFill>
+          <a:blip r:embed="rId3"/>
+          <a:stretch>
+            <a:fillRect/>
+          </a:stretch>
+        </p:blipFill>
+        <p:spPr>
+          <a:xfrm>
+            <a:off x="1270636" y="1583799"/>
+            <a:ext cx="3296110" cy="571580"/>
+          </a:xfrm>
+          <a:prstGeom prst="rect">
+            <a:avLst/>
+          </a:prstGeom>
+        </p:spPr>
+      </p:pic>
+      <p:pic>
+        <p:nvPicPr>
+          <p:cNvPr id="7" name="תמונה 6">
+            <a:extLst>
+              <a:ext uri="{FF2B5EF4-FFF2-40B4-BE49-F238E27FC236}">
+                <a16:creationId xmlns:a16="http://schemas.microsoft.com/office/drawing/2014/main" id="{40418291-20B6-FBE0-6F47-8FD497DF3D9D}"/>
+              </a:ext>
+            </a:extLst>
+          </p:cNvPr>
+          <p:cNvPicPr>
+            <a:picLocks noChangeAspect="1"/>
+          </p:cNvPicPr>
+          <p:nvPr/>
+        </p:nvPicPr>
+        <p:blipFill>
+          <a:blip r:embed="rId4"/>
+          <a:stretch>
+            <a:fillRect/>
+          </a:stretch>
+        </p:blipFill>
+        <p:spPr>
+          <a:xfrm>
+            <a:off x="429363" y="2359080"/>
+            <a:ext cx="4973910" cy="1923654"/>
+          </a:xfrm>
+          <a:prstGeom prst="rect">
+            <a:avLst/>
+          </a:prstGeom>
+        </p:spPr>
+      </p:pic>
+      <p:pic>
+        <p:nvPicPr>
+          <p:cNvPr id="9" name="תמונה 8">
+            <a:extLst>
+              <a:ext uri="{FF2B5EF4-FFF2-40B4-BE49-F238E27FC236}">
+                <a16:creationId xmlns:a16="http://schemas.microsoft.com/office/drawing/2014/main" id="{2FB8DB5C-F329-12B9-F4D0-441CC3A0A99F}"/>
+              </a:ext>
+            </a:extLst>
+          </p:cNvPr>
+          <p:cNvPicPr>
+            <a:picLocks noChangeAspect="1"/>
+          </p:cNvPicPr>
+          <p:nvPr/>
+        </p:nvPicPr>
+        <p:blipFill>
+          <a:blip r:embed="rId5"/>
+          <a:stretch>
+            <a:fillRect/>
+          </a:stretch>
+        </p:blipFill>
+        <p:spPr>
+          <a:xfrm>
+            <a:off x="4996873" y="2359080"/>
+            <a:ext cx="3420127" cy="1933115"/>
+          </a:xfrm>
+          <a:prstGeom prst="rect">
+            <a:avLst/>
+          </a:prstGeom>
+        </p:spPr>
+      </p:pic>
+      <p:pic>
+        <p:nvPicPr>
+          <p:cNvPr id="11" name="תמונה 10">
+            <a:extLst>
+              <a:ext uri="{FF2B5EF4-FFF2-40B4-BE49-F238E27FC236}">
+                <a16:creationId xmlns:a16="http://schemas.microsoft.com/office/drawing/2014/main" id="{139A9355-35E7-8C0B-832E-FD21B984C8F4}"/>
+              </a:ext>
+            </a:extLst>
+          </p:cNvPr>
+          <p:cNvPicPr>
+            <a:picLocks noChangeAspect="1"/>
+          </p:cNvPicPr>
+          <p:nvPr/>
+        </p:nvPicPr>
+        <p:blipFill>
+          <a:blip r:embed="rId6"/>
+          <a:stretch>
+            <a:fillRect/>
+          </a:stretch>
+        </p:blipFill>
+        <p:spPr>
+          <a:xfrm>
+            <a:off x="8635204" y="2359080"/>
+            <a:ext cx="3261777" cy="3194176"/>
+          </a:xfrm>
+          <a:prstGeom prst="rect">
+            <a:avLst/>
+          </a:prstGeom>
+        </p:spPr>
+      </p:pic>
+    </p:spTree>
+    <p:extLst>
+      <p:ext uri="{BB962C8B-B14F-4D97-AF65-F5344CB8AC3E}">
+        <p14:creationId xmlns:p14="http://schemas.microsoft.com/office/powerpoint/2010/main" val="2536673901"/>
+      </p:ext>
+    </p:extLst>
+  </p:cSld>
+  <p:clrMapOvr>
+    <a:masterClrMapping/>
+  </p:clrMapOvr>
+</p:sld>
+</file>
+
+<file path=ppt/slides/slide17.xml><?xml version="1.0" encoding="utf-8"?>
+<p:sld xmlns:a="http://schemas.openxmlformats.org/drawingml/2006/main" xmlns:r="http://schemas.openxmlformats.org/officeDocument/2006/relationships" xmlns:p="http://schemas.openxmlformats.org/presentationml/2006/main">
+  <p:cSld>
+    <p:spTree>
+      <p:nvGrpSpPr>
+        <p:cNvPr id="1" name="">
+          <a:extLst>
+            <a:ext uri="{FF2B5EF4-FFF2-40B4-BE49-F238E27FC236}">
+              <a16:creationId xmlns:a16="http://schemas.microsoft.com/office/drawing/2014/main" id="{A568C72D-DD74-2D95-DED0-9DE76FF6FE1A}"/>
+            </a:ext>
+          </a:extLst>
+        </p:cNvPr>
+        <p:cNvGrpSpPr/>
+        <p:nvPr/>
+      </p:nvGrpSpPr>
+      <p:grpSpPr>
+        <a:xfrm>
+          <a:off x="0" y="0"/>
+          <a:ext cx="0" cy="0"/>
+          <a:chOff x="0" y="0"/>
+          <a:chExt cx="0" cy="0"/>
+        </a:xfrm>
+      </p:grpSpPr>
+      <p:sp>
+        <p:nvSpPr>
+          <p:cNvPr id="2" name="כותרת 1">
+            <a:extLst>
+              <a:ext uri="{FF2B5EF4-FFF2-40B4-BE49-F238E27FC236}">
+                <a16:creationId xmlns:a16="http://schemas.microsoft.com/office/drawing/2014/main" id="{44D2E349-2DFD-2BA7-8499-6C38B7E7F0F2}"/>
+              </a:ext>
+            </a:extLst>
+          </p:cNvPr>
+          <p:cNvSpPr>
+            <a:spLocks noGrp="1"/>
+          </p:cNvSpPr>
+          <p:nvPr>
+            <p:ph type="title"/>
+          </p:nvPr>
+        </p:nvSpPr>
+        <p:spPr>
+          <a:xfrm>
+            <a:off x="203200" y="27709"/>
+            <a:ext cx="1647825" cy="1325563"/>
+          </a:xfrm>
+        </p:spPr>
+        <p:txBody>
+          <a:bodyPr/>
+          <a:lstStyle/>
+          <a:p>
+            <a:r>
+              <a:rPr lang="he-IL" dirty="0"/>
+              <a:t>מצגת 3</a:t>
+            </a:r>
+          </a:p>
+        </p:txBody>
+      </p:sp>
+    </p:spTree>
+    <p:extLst>
+      <p:ext uri="{BB962C8B-B14F-4D97-AF65-F5344CB8AC3E}">
+        <p14:creationId xmlns:p14="http://schemas.microsoft.com/office/powerpoint/2010/main" val="1269148454"/>
+      </p:ext>
+    </p:extLst>
+  </p:cSld>
+  <p:clrMapOvr>
+    <a:masterClrMapping/>
+  </p:clrMapOvr>
+</p:sld>
+</file>
+
+<file path=ppt/slides/slide18.xml><?xml version="1.0" encoding="utf-8"?>
+<p:sld xmlns:a="http://schemas.openxmlformats.org/drawingml/2006/main" xmlns:r="http://schemas.openxmlformats.org/officeDocument/2006/relationships" xmlns:p="http://schemas.openxmlformats.org/presentationml/2006/main">
+  <p:cSld>
+    <p:spTree>
+      <p:nvGrpSpPr>
+        <p:cNvPr id="1" name="">
+          <a:extLst>
+            <a:ext uri="{FF2B5EF4-FFF2-40B4-BE49-F238E27FC236}">
+              <a16:creationId xmlns:a16="http://schemas.microsoft.com/office/drawing/2014/main" id="{248DBE39-EDC4-54D3-DB4D-85A412CF6954}"/>
+            </a:ext>
+          </a:extLst>
+        </p:cNvPr>
+        <p:cNvGrpSpPr/>
+        <p:nvPr/>
+      </p:nvGrpSpPr>
+      <p:grpSpPr>
+        <a:xfrm>
+          <a:off x="0" y="0"/>
+          <a:ext cx="0" cy="0"/>
+          <a:chOff x="0" y="0"/>
+          <a:chExt cx="0" cy="0"/>
+        </a:xfrm>
+      </p:grpSpPr>
+    </p:spTree>
+    <p:extLst>
+      <p:ext uri="{BB962C8B-B14F-4D97-AF65-F5344CB8AC3E}">
+        <p14:creationId xmlns:p14="http://schemas.microsoft.com/office/powerpoint/2010/main" val="3581125237"/>
       </p:ext>
     </p:extLst>
   </p:cSld>

--- a/מצגת אוטומטים.pptx
+++ b/מצגת אוטומטים.pptx
@@ -23,6 +23,15 @@
     <p:sldId id="271" r:id="rId17"/>
     <p:sldId id="272" r:id="rId18"/>
     <p:sldId id="273" r:id="rId19"/>
+    <p:sldId id="274" r:id="rId20"/>
+    <p:sldId id="275" r:id="rId21"/>
+    <p:sldId id="276" r:id="rId22"/>
+    <p:sldId id="277" r:id="rId23"/>
+    <p:sldId id="278" r:id="rId24"/>
+    <p:sldId id="279" r:id="rId25"/>
+    <p:sldId id="280" r:id="rId26"/>
+    <p:sldId id="281" r:id="rId27"/>
+    <p:sldId id="282" r:id="rId28"/>
   </p:sldIdLst>
   <p:sldSz cx="12192000" cy="6858000"/>
   <p:notesSz cx="6858000" cy="9144000"/>
@@ -276,7 +285,7 @@
           <a:p>
             <a:fld id="{75D2BD91-1E16-41B9-8E39-17CA9404FEBF}" type="datetimeFigureOut">
               <a:rPr lang="he-IL" smtClean="0"/>
-              <a:t>ט"ו/אדר א/תשפ"ד</a:t>
+              <a:t>ט"ז/אדר א/תשפ"ד</a:t>
             </a:fld>
             <a:endParaRPr lang="he-IL"/>
           </a:p>
@@ -284,7 +293,7 @@
       </p:sp>
       <p:sp>
         <p:nvSpPr>
-          <p:cNvPr id="5" name="מציין מיקום של כותרת תחתונה 4">
+          <p:cNvPr id="5" name="מציין מיקום של כותרת תחתונה 4" hidden="1">
             <a:extLst>
               <a:ext uri="{FF2B5EF4-FFF2-40B4-BE49-F238E27FC236}">
                 <a16:creationId xmlns:a16="http://schemas.microsoft.com/office/drawing/2014/main" id="{EDC94634-2151-D8BE-99E2-4D8F7098434F}"/>
@@ -474,7 +483,7 @@
           <a:p>
             <a:fld id="{75D2BD91-1E16-41B9-8E39-17CA9404FEBF}" type="datetimeFigureOut">
               <a:rPr lang="he-IL" smtClean="0"/>
-              <a:t>ט"ו/אדר א/תשפ"ד</a:t>
+              <a:t>ט"ז/אדר א/תשפ"ד</a:t>
             </a:fld>
             <a:endParaRPr lang="he-IL"/>
           </a:p>
@@ -482,7 +491,7 @@
       </p:sp>
       <p:sp>
         <p:nvSpPr>
-          <p:cNvPr id="5" name="מציין מיקום של כותרת תחתונה 4">
+          <p:cNvPr id="5" name="מציין מיקום של כותרת תחתונה 4" hidden="1">
             <a:extLst>
               <a:ext uri="{FF2B5EF4-FFF2-40B4-BE49-F238E27FC236}">
                 <a16:creationId xmlns:a16="http://schemas.microsoft.com/office/drawing/2014/main" id="{9695426E-2BF3-3F1B-3661-BE6DCCB13B9A}"/>
@@ -682,7 +691,7 @@
           <a:p>
             <a:fld id="{75D2BD91-1E16-41B9-8E39-17CA9404FEBF}" type="datetimeFigureOut">
               <a:rPr lang="he-IL" smtClean="0"/>
-              <a:t>ט"ו/אדר א/תשפ"ד</a:t>
+              <a:t>ט"ז/אדר א/תשפ"ד</a:t>
             </a:fld>
             <a:endParaRPr lang="he-IL"/>
           </a:p>
@@ -690,7 +699,7 @@
       </p:sp>
       <p:sp>
         <p:nvSpPr>
-          <p:cNvPr id="5" name="מציין מיקום של כותרת תחתונה 4">
+          <p:cNvPr id="5" name="מציין מיקום של כותרת תחתונה 4" hidden="1">
             <a:extLst>
               <a:ext uri="{FF2B5EF4-FFF2-40B4-BE49-F238E27FC236}">
                 <a16:creationId xmlns:a16="http://schemas.microsoft.com/office/drawing/2014/main" id="{4D7AC787-F6D6-090E-740C-6927191AFAEE}"/>
@@ -880,7 +889,7 @@
           <a:p>
             <a:fld id="{75D2BD91-1E16-41B9-8E39-17CA9404FEBF}" type="datetimeFigureOut">
               <a:rPr lang="he-IL" smtClean="0"/>
-              <a:t>ט"ו/אדר א/תשפ"ד</a:t>
+              <a:t>ט"ז/אדר א/תשפ"ד</a:t>
             </a:fld>
             <a:endParaRPr lang="he-IL"/>
           </a:p>
@@ -888,7 +897,7 @@
       </p:sp>
       <p:sp>
         <p:nvSpPr>
-          <p:cNvPr id="5" name="מציין מיקום של כותרת תחתונה 4">
+          <p:cNvPr id="5" name="מציין מיקום של כותרת תחתונה 4" hidden="1">
             <a:extLst>
               <a:ext uri="{FF2B5EF4-FFF2-40B4-BE49-F238E27FC236}">
                 <a16:creationId xmlns:a16="http://schemas.microsoft.com/office/drawing/2014/main" id="{621627FF-4F20-4EFA-DC21-26E1BF56B620}"/>
@@ -1155,7 +1164,7 @@
           <a:p>
             <a:fld id="{75D2BD91-1E16-41B9-8E39-17CA9404FEBF}" type="datetimeFigureOut">
               <a:rPr lang="he-IL" smtClean="0"/>
-              <a:t>ט"ו/אדר א/תשפ"ד</a:t>
+              <a:t>ט"ז/אדר א/תשפ"ד</a:t>
             </a:fld>
             <a:endParaRPr lang="he-IL"/>
           </a:p>
@@ -1163,7 +1172,7 @@
       </p:sp>
       <p:sp>
         <p:nvSpPr>
-          <p:cNvPr id="5" name="מציין מיקום של כותרת תחתונה 4">
+          <p:cNvPr id="5" name="מציין מיקום של כותרת תחתונה 4" hidden="1">
             <a:extLst>
               <a:ext uri="{FF2B5EF4-FFF2-40B4-BE49-F238E27FC236}">
                 <a16:creationId xmlns:a16="http://schemas.microsoft.com/office/drawing/2014/main" id="{21F1C40B-4949-E5C9-BB4A-FC5A930E4DFA}"/>
@@ -1420,7 +1429,7 @@
           <a:p>
             <a:fld id="{75D2BD91-1E16-41B9-8E39-17CA9404FEBF}" type="datetimeFigureOut">
               <a:rPr lang="he-IL" smtClean="0"/>
-              <a:t>ט"ו/אדר א/תשפ"ד</a:t>
+              <a:t>ט"ז/אדר א/תשפ"ד</a:t>
             </a:fld>
             <a:endParaRPr lang="he-IL"/>
           </a:p>
@@ -1428,7 +1437,7 @@
       </p:sp>
       <p:sp>
         <p:nvSpPr>
-          <p:cNvPr id="6" name="מציין מיקום של כותרת תחתונה 5">
+          <p:cNvPr id="6" name="מציין מיקום של כותרת תחתונה 5" hidden="1">
             <a:extLst>
               <a:ext uri="{FF2B5EF4-FFF2-40B4-BE49-F238E27FC236}">
                 <a16:creationId xmlns:a16="http://schemas.microsoft.com/office/drawing/2014/main" id="{97E67205-FA43-895F-C053-E8D1E5B3C28D}"/>
@@ -1832,7 +1841,7 @@
           <a:p>
             <a:fld id="{75D2BD91-1E16-41B9-8E39-17CA9404FEBF}" type="datetimeFigureOut">
               <a:rPr lang="he-IL" smtClean="0"/>
-              <a:t>ט"ו/אדר א/תשפ"ד</a:t>
+              <a:t>ט"ז/אדר א/תשפ"ד</a:t>
             </a:fld>
             <a:endParaRPr lang="he-IL"/>
           </a:p>
@@ -1840,7 +1849,7 @@
       </p:sp>
       <p:sp>
         <p:nvSpPr>
-          <p:cNvPr id="8" name="מציין מיקום של כותרת תחתונה 7">
+          <p:cNvPr id="8" name="מציין מיקום של כותרת תחתונה 7" hidden="1">
             <a:extLst>
               <a:ext uri="{FF2B5EF4-FFF2-40B4-BE49-F238E27FC236}">
                 <a16:creationId xmlns:a16="http://schemas.microsoft.com/office/drawing/2014/main" id="{BA24E627-B2D4-820F-C4EC-B2294681361C}"/>
@@ -1973,7 +1982,7 @@
           <a:p>
             <a:fld id="{75D2BD91-1E16-41B9-8E39-17CA9404FEBF}" type="datetimeFigureOut">
               <a:rPr lang="he-IL" smtClean="0"/>
-              <a:t>ט"ו/אדר א/תשפ"ד</a:t>
+              <a:t>ט"ז/אדר א/תשפ"ד</a:t>
             </a:fld>
             <a:endParaRPr lang="he-IL"/>
           </a:p>
@@ -1981,7 +1990,7 @@
       </p:sp>
       <p:sp>
         <p:nvSpPr>
-          <p:cNvPr id="4" name="מציין מיקום של כותרת תחתונה 3">
+          <p:cNvPr id="4" name="מציין מיקום של כותרת תחתונה 3" hidden="1">
             <a:extLst>
               <a:ext uri="{FF2B5EF4-FFF2-40B4-BE49-F238E27FC236}">
                 <a16:creationId xmlns:a16="http://schemas.microsoft.com/office/drawing/2014/main" id="{5DC99221-9B99-1C2B-F4FE-103E40F68B68}"/>
@@ -2086,7 +2095,7 @@
           <a:p>
             <a:fld id="{75D2BD91-1E16-41B9-8E39-17CA9404FEBF}" type="datetimeFigureOut">
               <a:rPr lang="he-IL" smtClean="0"/>
-              <a:t>ט"ו/אדר א/תשפ"ד</a:t>
+              <a:t>ט"ז/אדר א/תשפ"ד</a:t>
             </a:fld>
             <a:endParaRPr lang="he-IL"/>
           </a:p>
@@ -2094,7 +2103,7 @@
       </p:sp>
       <p:sp>
         <p:nvSpPr>
-          <p:cNvPr id="3" name="מציין מיקום של כותרת תחתונה 2">
+          <p:cNvPr id="3" name="מציין מיקום של כותרת תחתונה 2" hidden="1">
             <a:extLst>
               <a:ext uri="{FF2B5EF4-FFF2-40B4-BE49-F238E27FC236}">
                 <a16:creationId xmlns:a16="http://schemas.microsoft.com/office/drawing/2014/main" id="{F7EC094B-6434-4E5C-6FCB-8CA43CB11C88}"/>
@@ -2397,7 +2406,7 @@
           <a:p>
             <a:fld id="{75D2BD91-1E16-41B9-8E39-17CA9404FEBF}" type="datetimeFigureOut">
               <a:rPr lang="he-IL" smtClean="0"/>
-              <a:t>ט"ו/אדר א/תשפ"ד</a:t>
+              <a:t>ט"ז/אדר א/תשפ"ד</a:t>
             </a:fld>
             <a:endParaRPr lang="he-IL"/>
           </a:p>
@@ -2405,7 +2414,7 @@
       </p:sp>
       <p:sp>
         <p:nvSpPr>
-          <p:cNvPr id="6" name="מציין מיקום של כותרת תחתונה 5">
+          <p:cNvPr id="6" name="מציין מיקום של כותרת תחתונה 5" hidden="1">
             <a:extLst>
               <a:ext uri="{FF2B5EF4-FFF2-40B4-BE49-F238E27FC236}">
                 <a16:creationId xmlns:a16="http://schemas.microsoft.com/office/drawing/2014/main" id="{5CCB08A7-A8C0-0320-BDD6-6561EA608A7D}"/>
@@ -2685,7 +2694,7 @@
           <a:p>
             <a:fld id="{75D2BD91-1E16-41B9-8E39-17CA9404FEBF}" type="datetimeFigureOut">
               <a:rPr lang="he-IL" smtClean="0"/>
-              <a:t>ט"ו/אדר א/תשפ"ד</a:t>
+              <a:t>ט"ז/אדר א/תשפ"ד</a:t>
             </a:fld>
             <a:endParaRPr lang="he-IL"/>
           </a:p>
@@ -2693,7 +2702,7 @@
       </p:sp>
       <p:sp>
         <p:nvSpPr>
-          <p:cNvPr id="6" name="מציין מיקום של כותרת תחתונה 5">
+          <p:cNvPr id="6" name="מציין מיקום של כותרת תחתונה 5" hidden="1">
             <a:extLst>
               <a:ext uri="{FF2B5EF4-FFF2-40B4-BE49-F238E27FC236}">
                 <a16:creationId xmlns:a16="http://schemas.microsoft.com/office/drawing/2014/main" id="{6374C479-5B4D-1CBA-17DB-D10FD37574BC}"/>
@@ -2926,7 +2935,7 @@
           <a:p>
             <a:fld id="{75D2BD91-1E16-41B9-8E39-17CA9404FEBF}" type="datetimeFigureOut">
               <a:rPr lang="he-IL" smtClean="0"/>
-              <a:t>ט"ו/אדר א/תשפ"ד</a:t>
+              <a:t>ט"ז/אדר א/תשפ"ד</a:t>
             </a:fld>
             <a:endParaRPr lang="he-IL"/>
           </a:p>
@@ -2934,7 +2943,7 @@
       </p:sp>
       <p:sp>
         <p:nvSpPr>
-          <p:cNvPr id="5" name="מציין מיקום של כותרת תחתונה 4">
+          <p:cNvPr id="5" name="מציין מיקום של כותרת תחתונה 4" hidden="1">
             <a:extLst>
               <a:ext uri="{FF2B5EF4-FFF2-40B4-BE49-F238E27FC236}">
                 <a16:creationId xmlns:a16="http://schemas.microsoft.com/office/drawing/2014/main" id="{D7AF645F-8051-93AB-55F3-9899F683C273}"/>
@@ -3504,6 +3513,56 @@
           </a:p>
         </p:txBody>
       </p:sp>
+      <p:sp>
+        <p:nvSpPr>
+          <p:cNvPr id="2" name="Footer Placeholder 1" hidden="1">
+            <a:extLst>
+              <a:ext uri="{FF2B5EF4-FFF2-40B4-BE49-F238E27FC236}">
+                <a16:creationId xmlns:a16="http://schemas.microsoft.com/office/drawing/2014/main" id="{26543C49-51E1-4DF2-A34A-C0E9A4DB8296}"/>
+              </a:ext>
+            </a:extLst>
+          </p:cNvPr>
+          <p:cNvSpPr>
+            <a:spLocks noGrp="1"/>
+          </p:cNvSpPr>
+          <p:nvPr>
+            <p:ph type="ftr" sz="quarter" idx="11"/>
+          </p:nvPr>
+        </p:nvSpPr>
+        <p:spPr/>
+        <p:txBody>
+          <a:bodyPr/>
+          <a:lstStyle/>
+          <a:p>
+            <a:endParaRPr lang="en-IL"/>
+          </a:p>
+        </p:txBody>
+      </p:sp>
+      <p:sp>
+        <p:nvSpPr>
+          <p:cNvPr id="4" name="Date Placeholder 3" hidden="1">
+            <a:extLst>
+              <a:ext uri="{FF2B5EF4-FFF2-40B4-BE49-F238E27FC236}">
+                <a16:creationId xmlns:a16="http://schemas.microsoft.com/office/drawing/2014/main" id="{4601A5FB-ACF6-4EE9-81B8-D476D6C110A4}"/>
+              </a:ext>
+            </a:extLst>
+          </p:cNvPr>
+          <p:cNvSpPr>
+            <a:spLocks noGrp="1"/>
+          </p:cNvSpPr>
+          <p:nvPr>
+            <p:ph type="dt" sz="half" idx="10"/>
+          </p:nvPr>
+        </p:nvSpPr>
+        <p:spPr/>
+        <p:txBody>
+          <a:bodyPr/>
+          <a:lstStyle/>
+          <a:p>
+            <a:endParaRPr lang="en-IL"/>
+          </a:p>
+        </p:txBody>
+      </p:sp>
     </p:spTree>
     <p:extLst>
       <p:ext uri="{BB962C8B-B14F-4D97-AF65-F5344CB8AC3E}">
@@ -3630,6 +3689,56 @@
           </a:prstGeom>
         </p:spPr>
       </p:pic>
+      <p:sp>
+        <p:nvSpPr>
+          <p:cNvPr id="2" name="Footer Placeholder 1" hidden="1">
+            <a:extLst>
+              <a:ext uri="{FF2B5EF4-FFF2-40B4-BE49-F238E27FC236}">
+                <a16:creationId xmlns:a16="http://schemas.microsoft.com/office/drawing/2014/main" id="{2866B98F-2EEC-451D-BA11-20DFBC7CF441}"/>
+              </a:ext>
+            </a:extLst>
+          </p:cNvPr>
+          <p:cNvSpPr>
+            <a:spLocks noGrp="1"/>
+          </p:cNvSpPr>
+          <p:nvPr>
+            <p:ph type="ftr" sz="quarter" idx="11"/>
+          </p:nvPr>
+        </p:nvSpPr>
+        <p:spPr/>
+        <p:txBody>
+          <a:bodyPr/>
+          <a:lstStyle/>
+          <a:p>
+            <a:endParaRPr lang="en-IL"/>
+          </a:p>
+        </p:txBody>
+      </p:sp>
+      <p:sp>
+        <p:nvSpPr>
+          <p:cNvPr id="4" name="Date Placeholder 3" hidden="1">
+            <a:extLst>
+              <a:ext uri="{FF2B5EF4-FFF2-40B4-BE49-F238E27FC236}">
+                <a16:creationId xmlns:a16="http://schemas.microsoft.com/office/drawing/2014/main" id="{E568AF1E-7814-433B-A854-B319B46EEBDD}"/>
+              </a:ext>
+            </a:extLst>
+          </p:cNvPr>
+          <p:cNvSpPr>
+            <a:spLocks noGrp="1"/>
+          </p:cNvSpPr>
+          <p:nvPr>
+            <p:ph type="dt" sz="half" idx="10"/>
+          </p:nvPr>
+        </p:nvSpPr>
+        <p:spPr/>
+        <p:txBody>
+          <a:bodyPr/>
+          <a:lstStyle/>
+          <a:p>
+            <a:endParaRPr lang="en-IL"/>
+          </a:p>
+        </p:txBody>
+      </p:sp>
     </p:spTree>
     <p:extLst>
       <p:ext uri="{BB962C8B-B14F-4D97-AF65-F5344CB8AC3E}">
@@ -3756,6 +3865,56 @@
           </a:prstGeom>
         </p:spPr>
       </p:pic>
+      <p:sp>
+        <p:nvSpPr>
+          <p:cNvPr id="2" name="Footer Placeholder 1" hidden="1">
+            <a:extLst>
+              <a:ext uri="{FF2B5EF4-FFF2-40B4-BE49-F238E27FC236}">
+                <a16:creationId xmlns:a16="http://schemas.microsoft.com/office/drawing/2014/main" id="{F3977A10-14C4-4FC2-9C30-944FCDC86D97}"/>
+              </a:ext>
+            </a:extLst>
+          </p:cNvPr>
+          <p:cNvSpPr>
+            <a:spLocks noGrp="1"/>
+          </p:cNvSpPr>
+          <p:nvPr>
+            <p:ph type="ftr" sz="quarter" idx="11"/>
+          </p:nvPr>
+        </p:nvSpPr>
+        <p:spPr/>
+        <p:txBody>
+          <a:bodyPr/>
+          <a:lstStyle/>
+          <a:p>
+            <a:endParaRPr lang="en-IL"/>
+          </a:p>
+        </p:txBody>
+      </p:sp>
+      <p:sp>
+        <p:nvSpPr>
+          <p:cNvPr id="4" name="Date Placeholder 3" hidden="1">
+            <a:extLst>
+              <a:ext uri="{FF2B5EF4-FFF2-40B4-BE49-F238E27FC236}">
+                <a16:creationId xmlns:a16="http://schemas.microsoft.com/office/drawing/2014/main" id="{D86F9394-BD2C-4A28-AF57-97188C288814}"/>
+              </a:ext>
+            </a:extLst>
+          </p:cNvPr>
+          <p:cNvSpPr>
+            <a:spLocks noGrp="1"/>
+          </p:cNvSpPr>
+          <p:nvPr>
+            <p:ph type="dt" sz="half" idx="10"/>
+          </p:nvPr>
+        </p:nvSpPr>
+        <p:spPr/>
+        <p:txBody>
+          <a:bodyPr/>
+          <a:lstStyle/>
+          <a:p>
+            <a:endParaRPr lang="en-IL"/>
+          </a:p>
+        </p:txBody>
+      </p:sp>
     </p:spTree>
     <p:extLst>
       <p:ext uri="{BB962C8B-B14F-4D97-AF65-F5344CB8AC3E}">
@@ -3882,6 +4041,56 @@
           </a:prstGeom>
         </p:spPr>
       </p:pic>
+      <p:sp>
+        <p:nvSpPr>
+          <p:cNvPr id="2" name="Footer Placeholder 1" hidden="1">
+            <a:extLst>
+              <a:ext uri="{FF2B5EF4-FFF2-40B4-BE49-F238E27FC236}">
+                <a16:creationId xmlns:a16="http://schemas.microsoft.com/office/drawing/2014/main" id="{635D6C40-4FC5-44BB-8F2B-23EE35536160}"/>
+              </a:ext>
+            </a:extLst>
+          </p:cNvPr>
+          <p:cNvSpPr>
+            <a:spLocks noGrp="1"/>
+          </p:cNvSpPr>
+          <p:nvPr>
+            <p:ph type="ftr" sz="quarter" idx="11"/>
+          </p:nvPr>
+        </p:nvSpPr>
+        <p:spPr/>
+        <p:txBody>
+          <a:bodyPr/>
+          <a:lstStyle/>
+          <a:p>
+            <a:endParaRPr lang="en-IL"/>
+          </a:p>
+        </p:txBody>
+      </p:sp>
+      <p:sp>
+        <p:nvSpPr>
+          <p:cNvPr id="4" name="Date Placeholder 3" hidden="1">
+            <a:extLst>
+              <a:ext uri="{FF2B5EF4-FFF2-40B4-BE49-F238E27FC236}">
+                <a16:creationId xmlns:a16="http://schemas.microsoft.com/office/drawing/2014/main" id="{4CCB84AE-C42A-4B17-A031-0C4F688D06EA}"/>
+              </a:ext>
+            </a:extLst>
+          </p:cNvPr>
+          <p:cNvSpPr>
+            <a:spLocks noGrp="1"/>
+          </p:cNvSpPr>
+          <p:nvPr>
+            <p:ph type="dt" sz="half" idx="10"/>
+          </p:nvPr>
+        </p:nvSpPr>
+        <p:spPr/>
+        <p:txBody>
+          <a:bodyPr/>
+          <a:lstStyle/>
+          <a:p>
+            <a:endParaRPr lang="en-IL"/>
+          </a:p>
+        </p:txBody>
+      </p:sp>
     </p:spTree>
     <p:extLst>
       <p:ext uri="{BB962C8B-B14F-4D97-AF65-F5344CB8AC3E}">
@@ -4128,6 +4337,56 @@
           </a:prstGeom>
         </p:spPr>
       </p:pic>
+      <p:sp>
+        <p:nvSpPr>
+          <p:cNvPr id="2" name="Footer Placeholder 1" hidden="1">
+            <a:extLst>
+              <a:ext uri="{FF2B5EF4-FFF2-40B4-BE49-F238E27FC236}">
+                <a16:creationId xmlns:a16="http://schemas.microsoft.com/office/drawing/2014/main" id="{AE4C9169-C63F-4EE6-BF9F-1A1751FF6FFC}"/>
+              </a:ext>
+            </a:extLst>
+          </p:cNvPr>
+          <p:cNvSpPr>
+            <a:spLocks noGrp="1"/>
+          </p:cNvSpPr>
+          <p:nvPr>
+            <p:ph type="ftr" sz="quarter" idx="11"/>
+          </p:nvPr>
+        </p:nvSpPr>
+        <p:spPr/>
+        <p:txBody>
+          <a:bodyPr/>
+          <a:lstStyle/>
+          <a:p>
+            <a:endParaRPr lang="en-IL"/>
+          </a:p>
+        </p:txBody>
+      </p:sp>
+      <p:sp>
+        <p:nvSpPr>
+          <p:cNvPr id="3" name="Date Placeholder 2" hidden="1">
+            <a:extLst>
+              <a:ext uri="{FF2B5EF4-FFF2-40B4-BE49-F238E27FC236}">
+                <a16:creationId xmlns:a16="http://schemas.microsoft.com/office/drawing/2014/main" id="{5CB0C641-B41E-41A8-8046-6BB21A13C7BB}"/>
+              </a:ext>
+            </a:extLst>
+          </p:cNvPr>
+          <p:cNvSpPr>
+            <a:spLocks noGrp="1"/>
+          </p:cNvSpPr>
+          <p:nvPr>
+            <p:ph type="dt" sz="half" idx="10"/>
+          </p:nvPr>
+        </p:nvSpPr>
+        <p:spPr/>
+        <p:txBody>
+          <a:bodyPr/>
+          <a:lstStyle/>
+          <a:p>
+            <a:endParaRPr lang="en-IL"/>
+          </a:p>
+        </p:txBody>
+      </p:sp>
     </p:spTree>
     <p:extLst>
       <p:ext uri="{BB962C8B-B14F-4D97-AF65-F5344CB8AC3E}">
@@ -4344,6 +4603,56 @@
           </a:prstGeom>
         </p:spPr>
       </p:pic>
+      <p:sp>
+        <p:nvSpPr>
+          <p:cNvPr id="2" name="Footer Placeholder 1" hidden="1">
+            <a:extLst>
+              <a:ext uri="{FF2B5EF4-FFF2-40B4-BE49-F238E27FC236}">
+                <a16:creationId xmlns:a16="http://schemas.microsoft.com/office/drawing/2014/main" id="{23609510-0C02-4EAB-A40A-B987155A01AB}"/>
+              </a:ext>
+            </a:extLst>
+          </p:cNvPr>
+          <p:cNvSpPr>
+            <a:spLocks noGrp="1"/>
+          </p:cNvSpPr>
+          <p:nvPr>
+            <p:ph type="ftr" sz="quarter" idx="11"/>
+          </p:nvPr>
+        </p:nvSpPr>
+        <p:spPr/>
+        <p:txBody>
+          <a:bodyPr/>
+          <a:lstStyle/>
+          <a:p>
+            <a:endParaRPr lang="en-IL"/>
+          </a:p>
+        </p:txBody>
+      </p:sp>
+      <p:sp>
+        <p:nvSpPr>
+          <p:cNvPr id="4" name="Date Placeholder 3" hidden="1">
+            <a:extLst>
+              <a:ext uri="{FF2B5EF4-FFF2-40B4-BE49-F238E27FC236}">
+                <a16:creationId xmlns:a16="http://schemas.microsoft.com/office/drawing/2014/main" id="{0163AE19-EBC3-4C49-BD2B-DCE7CD62647B}"/>
+              </a:ext>
+            </a:extLst>
+          </p:cNvPr>
+          <p:cNvSpPr>
+            <a:spLocks noGrp="1"/>
+          </p:cNvSpPr>
+          <p:nvPr>
+            <p:ph type="dt" sz="half" idx="10"/>
+          </p:nvPr>
+        </p:nvSpPr>
+        <p:spPr/>
+        <p:txBody>
+          <a:bodyPr/>
+          <a:lstStyle/>
+          <a:p>
+            <a:endParaRPr lang="en-IL"/>
+          </a:p>
+        </p:txBody>
+      </p:sp>
     </p:spTree>
     <p:extLst>
       <p:ext uri="{BB962C8B-B14F-4D97-AF65-F5344CB8AC3E}">
@@ -4404,6 +4713,56 @@
           </a:prstGeom>
         </p:spPr>
       </p:pic>
+      <p:sp>
+        <p:nvSpPr>
+          <p:cNvPr id="2" name="Footer Placeholder 1" hidden="1">
+            <a:extLst>
+              <a:ext uri="{FF2B5EF4-FFF2-40B4-BE49-F238E27FC236}">
+                <a16:creationId xmlns:a16="http://schemas.microsoft.com/office/drawing/2014/main" id="{4E181CAC-D6A9-4727-8F23-27911D1186AD}"/>
+              </a:ext>
+            </a:extLst>
+          </p:cNvPr>
+          <p:cNvSpPr>
+            <a:spLocks noGrp="1"/>
+          </p:cNvSpPr>
+          <p:nvPr>
+            <p:ph type="ftr" sz="quarter" idx="11"/>
+          </p:nvPr>
+        </p:nvSpPr>
+        <p:spPr/>
+        <p:txBody>
+          <a:bodyPr/>
+          <a:lstStyle/>
+          <a:p>
+            <a:endParaRPr lang="en-IL"/>
+          </a:p>
+        </p:txBody>
+      </p:sp>
+      <p:sp>
+        <p:nvSpPr>
+          <p:cNvPr id="3" name="Date Placeholder 2" hidden="1">
+            <a:extLst>
+              <a:ext uri="{FF2B5EF4-FFF2-40B4-BE49-F238E27FC236}">
+                <a16:creationId xmlns:a16="http://schemas.microsoft.com/office/drawing/2014/main" id="{99A74B56-99A0-4121-8008-850688A30E0C}"/>
+              </a:ext>
+            </a:extLst>
+          </p:cNvPr>
+          <p:cNvSpPr>
+            <a:spLocks noGrp="1"/>
+          </p:cNvSpPr>
+          <p:nvPr>
+            <p:ph type="dt" sz="half" idx="10"/>
+          </p:nvPr>
+        </p:nvSpPr>
+        <p:spPr/>
+        <p:txBody>
+          <a:bodyPr/>
+          <a:lstStyle/>
+          <a:p>
+            <a:endParaRPr lang="en-IL"/>
+          </a:p>
+        </p:txBody>
+      </p:sp>
     </p:spTree>
     <p:extLst>
       <p:ext uri="{BB962C8B-B14F-4D97-AF65-F5344CB8AC3E}">
@@ -4590,6 +4949,56 @@
           </a:prstGeom>
         </p:spPr>
       </p:pic>
+      <p:sp>
+        <p:nvSpPr>
+          <p:cNvPr id="2" name="Footer Placeholder 1" hidden="1">
+            <a:extLst>
+              <a:ext uri="{FF2B5EF4-FFF2-40B4-BE49-F238E27FC236}">
+                <a16:creationId xmlns:a16="http://schemas.microsoft.com/office/drawing/2014/main" id="{A11B9E34-173C-48FC-8D57-9AF4AB915C57}"/>
+              </a:ext>
+            </a:extLst>
+          </p:cNvPr>
+          <p:cNvSpPr>
+            <a:spLocks noGrp="1"/>
+          </p:cNvSpPr>
+          <p:nvPr>
+            <p:ph type="ftr" sz="quarter" idx="11"/>
+          </p:nvPr>
+        </p:nvSpPr>
+        <p:spPr/>
+        <p:txBody>
+          <a:bodyPr/>
+          <a:lstStyle/>
+          <a:p>
+            <a:endParaRPr lang="en-IL"/>
+          </a:p>
+        </p:txBody>
+      </p:sp>
+      <p:sp>
+        <p:nvSpPr>
+          <p:cNvPr id="4" name="Date Placeholder 3" hidden="1">
+            <a:extLst>
+              <a:ext uri="{FF2B5EF4-FFF2-40B4-BE49-F238E27FC236}">
+                <a16:creationId xmlns:a16="http://schemas.microsoft.com/office/drawing/2014/main" id="{013CA30C-B8AC-4BA0-9CEF-6715A5C9288E}"/>
+              </a:ext>
+            </a:extLst>
+          </p:cNvPr>
+          <p:cNvSpPr>
+            <a:spLocks noGrp="1"/>
+          </p:cNvSpPr>
+          <p:nvPr>
+            <p:ph type="dt" sz="half" idx="10"/>
+          </p:nvPr>
+        </p:nvSpPr>
+        <p:spPr/>
+        <p:txBody>
+          <a:bodyPr/>
+          <a:lstStyle/>
+          <a:p>
+            <a:endParaRPr lang="en-IL"/>
+          </a:p>
+        </p:txBody>
+      </p:sp>
     </p:spTree>
     <p:extLst>
       <p:ext uri="{BB962C8B-B14F-4D97-AF65-F5344CB8AC3E}">
@@ -4644,7 +5053,7 @@
         </p:nvSpPr>
         <p:spPr>
           <a:xfrm>
-            <a:off x="203200" y="27709"/>
+            <a:off x="5272087" y="-33867"/>
             <a:ext cx="1647825" cy="1325563"/>
           </a:xfrm>
         </p:spPr>
@@ -4659,6 +5068,86 @@
           </a:p>
         </p:txBody>
       </p:sp>
+      <p:sp>
+        <p:nvSpPr>
+          <p:cNvPr id="3" name="Footer Placeholder 2" hidden="1">
+            <a:extLst>
+              <a:ext uri="{FF2B5EF4-FFF2-40B4-BE49-F238E27FC236}">
+                <a16:creationId xmlns:a16="http://schemas.microsoft.com/office/drawing/2014/main" id="{30FB199E-0B00-40F7-BDCD-E4D3A461C359}"/>
+              </a:ext>
+            </a:extLst>
+          </p:cNvPr>
+          <p:cNvSpPr>
+            <a:spLocks noGrp="1"/>
+          </p:cNvSpPr>
+          <p:nvPr>
+            <p:ph type="ftr" sz="quarter" idx="11"/>
+          </p:nvPr>
+        </p:nvSpPr>
+        <p:spPr/>
+        <p:txBody>
+          <a:bodyPr/>
+          <a:lstStyle/>
+          <a:p>
+            <a:endParaRPr lang="en-IL"/>
+          </a:p>
+        </p:txBody>
+      </p:sp>
+      <p:sp>
+        <p:nvSpPr>
+          <p:cNvPr id="4" name="Date Placeholder 3" hidden="1">
+            <a:extLst>
+              <a:ext uri="{FF2B5EF4-FFF2-40B4-BE49-F238E27FC236}">
+                <a16:creationId xmlns:a16="http://schemas.microsoft.com/office/drawing/2014/main" id="{E8701785-B712-41C6-AD72-CB1CA36F7773}"/>
+              </a:ext>
+            </a:extLst>
+          </p:cNvPr>
+          <p:cNvSpPr>
+            <a:spLocks noGrp="1"/>
+          </p:cNvSpPr>
+          <p:nvPr>
+            <p:ph type="dt" sz="half" idx="10"/>
+          </p:nvPr>
+        </p:nvSpPr>
+        <p:spPr/>
+        <p:txBody>
+          <a:bodyPr/>
+          <a:lstStyle/>
+          <a:p>
+            <a:endParaRPr lang="en-IL"/>
+          </a:p>
+        </p:txBody>
+      </p:sp>
+      <p:pic>
+        <p:nvPicPr>
+          <p:cNvPr id="6" name="Picture 5">
+            <a:extLst>
+              <a:ext uri="{FF2B5EF4-FFF2-40B4-BE49-F238E27FC236}">
+                <a16:creationId xmlns:a16="http://schemas.microsoft.com/office/drawing/2014/main" id="{911707C0-DA97-4C4D-9D55-336093D9AB65}"/>
+              </a:ext>
+            </a:extLst>
+          </p:cNvPr>
+          <p:cNvPicPr>
+            <a:picLocks noChangeAspect="1"/>
+          </p:cNvPicPr>
+          <p:nvPr/>
+        </p:nvPicPr>
+        <p:blipFill>
+          <a:blip r:embed="rId2"/>
+          <a:stretch>
+            <a:fillRect/>
+          </a:stretch>
+        </p:blipFill>
+        <p:spPr>
+          <a:xfrm>
+            <a:off x="446447" y="1049867"/>
+            <a:ext cx="11561162" cy="5260622"/>
+          </a:xfrm>
+          <a:prstGeom prst="rect">
+            <a:avLst/>
+          </a:prstGeom>
+        </p:spPr>
+      </p:pic>
     </p:spTree>
     <p:extLst>
       <p:ext uri="{BB962C8B-B14F-4D97-AF65-F5344CB8AC3E}">
@@ -4695,10 +5184,120 @@
           <a:chExt cx="0" cy="0"/>
         </a:xfrm>
       </p:grpSpPr>
+      <p:sp>
+        <p:nvSpPr>
+          <p:cNvPr id="2" name="Footer Placeholder 1" hidden="1">
+            <a:extLst>
+              <a:ext uri="{FF2B5EF4-FFF2-40B4-BE49-F238E27FC236}">
+                <a16:creationId xmlns:a16="http://schemas.microsoft.com/office/drawing/2014/main" id="{16DDED87-E898-4A60-AE2E-06AD750C9CCD}"/>
+              </a:ext>
+            </a:extLst>
+          </p:cNvPr>
+          <p:cNvSpPr>
+            <a:spLocks noGrp="1"/>
+          </p:cNvSpPr>
+          <p:nvPr>
+            <p:ph type="ftr" sz="quarter" idx="11"/>
+          </p:nvPr>
+        </p:nvSpPr>
+        <p:spPr/>
+        <p:txBody>
+          <a:bodyPr/>
+          <a:lstStyle/>
+          <a:p>
+            <a:endParaRPr lang="en-IL"/>
+          </a:p>
+        </p:txBody>
+      </p:sp>
+      <p:sp>
+        <p:nvSpPr>
+          <p:cNvPr id="3" name="Date Placeholder 2" hidden="1">
+            <a:extLst>
+              <a:ext uri="{FF2B5EF4-FFF2-40B4-BE49-F238E27FC236}">
+                <a16:creationId xmlns:a16="http://schemas.microsoft.com/office/drawing/2014/main" id="{DDB0DFCA-E9EE-4D23-9E40-A82FBBC51434}"/>
+              </a:ext>
+            </a:extLst>
+          </p:cNvPr>
+          <p:cNvSpPr>
+            <a:spLocks noGrp="1"/>
+          </p:cNvSpPr>
+          <p:nvPr>
+            <p:ph type="dt" sz="half" idx="10"/>
+          </p:nvPr>
+        </p:nvSpPr>
+        <p:spPr/>
+        <p:txBody>
+          <a:bodyPr/>
+          <a:lstStyle/>
+          <a:p>
+            <a:endParaRPr lang="en-IL"/>
+          </a:p>
+        </p:txBody>
+      </p:sp>
+      <p:pic>
+        <p:nvPicPr>
+          <p:cNvPr id="5" name="Picture 4">
+            <a:extLst>
+              <a:ext uri="{FF2B5EF4-FFF2-40B4-BE49-F238E27FC236}">
+                <a16:creationId xmlns:a16="http://schemas.microsoft.com/office/drawing/2014/main" id="{8319F0B7-159F-4EE5-9EED-0D9F82280884}"/>
+              </a:ext>
+            </a:extLst>
+          </p:cNvPr>
+          <p:cNvPicPr>
+            <a:picLocks noChangeAspect="1"/>
+          </p:cNvPicPr>
+          <p:nvPr/>
+        </p:nvPicPr>
+        <p:blipFill>
+          <a:blip r:embed="rId2"/>
+          <a:stretch>
+            <a:fillRect/>
+          </a:stretch>
+        </p:blipFill>
+        <p:spPr>
+          <a:xfrm>
+            <a:off x="940157" y="418201"/>
+            <a:ext cx="10040751" cy="6439799"/>
+          </a:xfrm>
+          <a:prstGeom prst="rect">
+            <a:avLst/>
+          </a:prstGeom>
+        </p:spPr>
+      </p:pic>
     </p:spTree>
     <p:extLst>
       <p:ext uri="{BB962C8B-B14F-4D97-AF65-F5344CB8AC3E}">
         <p14:creationId xmlns:p14="http://schemas.microsoft.com/office/powerpoint/2010/main" val="3581125237"/>
+      </p:ext>
+    </p:extLst>
+  </p:cSld>
+  <p:clrMapOvr>
+    <a:masterClrMapping/>
+  </p:clrMapOvr>
+</p:sld>
+</file>
+
+<file path=ppt/slides/slide19.xml><?xml version="1.0" encoding="utf-8"?>
+<p:sld xmlns:a="http://schemas.openxmlformats.org/drawingml/2006/main" xmlns:r="http://schemas.openxmlformats.org/officeDocument/2006/relationships" xmlns:p="http://schemas.openxmlformats.org/presentationml/2006/main">
+  <p:cSld>
+    <p:spTree>
+      <p:nvGrpSpPr>
+        <p:cNvPr id="1" name=""/>
+        <p:cNvGrpSpPr/>
+        <p:nvPr/>
+      </p:nvGrpSpPr>
+      <p:grpSpPr>
+        <a:xfrm>
+          <a:off x="0" y="0"/>
+          <a:ext cx="0" cy="0"/>
+          <a:chOff x="0" y="0"/>
+          <a:chExt cx="0" cy="0"/>
+        </a:xfrm>
+      </p:grpSpPr>
+    </p:spTree>
+    <p:extLst>
+      <p:ext uri="{BB962C8B-B14F-4D97-AF65-F5344CB8AC3E}">
+        <p14:creationId xmlns:p14="http://schemas.microsoft.com/office/powerpoint/2010/main" val="3148042513"/>
       </p:ext>
     </p:extLst>
   </p:cSld>
@@ -4815,10 +5414,300 @@
           </a:prstGeom>
         </p:spPr>
       </p:pic>
+      <p:sp>
+        <p:nvSpPr>
+          <p:cNvPr id="2" name="Footer Placeholder 1" hidden="1">
+            <a:extLst>
+              <a:ext uri="{FF2B5EF4-FFF2-40B4-BE49-F238E27FC236}">
+                <a16:creationId xmlns:a16="http://schemas.microsoft.com/office/drawing/2014/main" id="{87B4ADB3-91D8-4796-A6DB-58D01A3C616A}"/>
+              </a:ext>
+            </a:extLst>
+          </p:cNvPr>
+          <p:cNvSpPr>
+            <a:spLocks noGrp="1"/>
+          </p:cNvSpPr>
+          <p:nvPr>
+            <p:ph type="ftr" sz="quarter" idx="11"/>
+          </p:nvPr>
+        </p:nvSpPr>
+        <p:spPr/>
+        <p:txBody>
+          <a:bodyPr/>
+          <a:lstStyle/>
+          <a:p>
+            <a:endParaRPr lang="en-IL"/>
+          </a:p>
+        </p:txBody>
+      </p:sp>
+      <p:sp>
+        <p:nvSpPr>
+          <p:cNvPr id="3" name="Date Placeholder 2" hidden="1">
+            <a:extLst>
+              <a:ext uri="{FF2B5EF4-FFF2-40B4-BE49-F238E27FC236}">
+                <a16:creationId xmlns:a16="http://schemas.microsoft.com/office/drawing/2014/main" id="{B0273C60-66C2-4002-B131-0E1C7DC9034B}"/>
+              </a:ext>
+            </a:extLst>
+          </p:cNvPr>
+          <p:cNvSpPr>
+            <a:spLocks noGrp="1"/>
+          </p:cNvSpPr>
+          <p:nvPr>
+            <p:ph type="dt" sz="half" idx="10"/>
+          </p:nvPr>
+        </p:nvSpPr>
+        <p:spPr/>
+        <p:txBody>
+          <a:bodyPr/>
+          <a:lstStyle/>
+          <a:p>
+            <a:endParaRPr lang="en-IL"/>
+          </a:p>
+        </p:txBody>
+      </p:sp>
     </p:spTree>
     <p:extLst>
       <p:ext uri="{BB962C8B-B14F-4D97-AF65-F5344CB8AC3E}">
         <p14:creationId xmlns:p14="http://schemas.microsoft.com/office/powerpoint/2010/main" val="2860993348"/>
+      </p:ext>
+    </p:extLst>
+  </p:cSld>
+  <p:clrMapOvr>
+    <a:masterClrMapping/>
+  </p:clrMapOvr>
+</p:sld>
+</file>
+
+<file path=ppt/slides/slide20.xml><?xml version="1.0" encoding="utf-8"?>
+<p:sld xmlns:a="http://schemas.openxmlformats.org/drawingml/2006/main" xmlns:r="http://schemas.openxmlformats.org/officeDocument/2006/relationships" xmlns:p="http://schemas.openxmlformats.org/presentationml/2006/main">
+  <p:cSld>
+    <p:spTree>
+      <p:nvGrpSpPr>
+        <p:cNvPr id="1" name=""/>
+        <p:cNvGrpSpPr/>
+        <p:nvPr/>
+      </p:nvGrpSpPr>
+      <p:grpSpPr>
+        <a:xfrm>
+          <a:off x="0" y="0"/>
+          <a:ext cx="0" cy="0"/>
+          <a:chOff x="0" y="0"/>
+          <a:chExt cx="0" cy="0"/>
+        </a:xfrm>
+      </p:grpSpPr>
+    </p:spTree>
+    <p:extLst>
+      <p:ext uri="{BB962C8B-B14F-4D97-AF65-F5344CB8AC3E}">
+        <p14:creationId xmlns:p14="http://schemas.microsoft.com/office/powerpoint/2010/main" val="2656845721"/>
+      </p:ext>
+    </p:extLst>
+  </p:cSld>
+  <p:clrMapOvr>
+    <a:masterClrMapping/>
+  </p:clrMapOvr>
+</p:sld>
+</file>
+
+<file path=ppt/slides/slide21.xml><?xml version="1.0" encoding="utf-8"?>
+<p:sld xmlns:a="http://schemas.openxmlformats.org/drawingml/2006/main" xmlns:r="http://schemas.openxmlformats.org/officeDocument/2006/relationships" xmlns:p="http://schemas.openxmlformats.org/presentationml/2006/main">
+  <p:cSld>
+    <p:spTree>
+      <p:nvGrpSpPr>
+        <p:cNvPr id="1" name=""/>
+        <p:cNvGrpSpPr/>
+        <p:nvPr/>
+      </p:nvGrpSpPr>
+      <p:grpSpPr>
+        <a:xfrm>
+          <a:off x="0" y="0"/>
+          <a:ext cx="0" cy="0"/>
+          <a:chOff x="0" y="0"/>
+          <a:chExt cx="0" cy="0"/>
+        </a:xfrm>
+      </p:grpSpPr>
+    </p:spTree>
+    <p:extLst>
+      <p:ext uri="{BB962C8B-B14F-4D97-AF65-F5344CB8AC3E}">
+        <p14:creationId xmlns:p14="http://schemas.microsoft.com/office/powerpoint/2010/main" val="3173005918"/>
+      </p:ext>
+    </p:extLst>
+  </p:cSld>
+  <p:clrMapOvr>
+    <a:masterClrMapping/>
+  </p:clrMapOvr>
+</p:sld>
+</file>
+
+<file path=ppt/slides/slide22.xml><?xml version="1.0" encoding="utf-8"?>
+<p:sld xmlns:a="http://schemas.openxmlformats.org/drawingml/2006/main" xmlns:r="http://schemas.openxmlformats.org/officeDocument/2006/relationships" xmlns:p="http://schemas.openxmlformats.org/presentationml/2006/main">
+  <p:cSld>
+    <p:spTree>
+      <p:nvGrpSpPr>
+        <p:cNvPr id="1" name=""/>
+        <p:cNvGrpSpPr/>
+        <p:nvPr/>
+      </p:nvGrpSpPr>
+      <p:grpSpPr>
+        <a:xfrm>
+          <a:off x="0" y="0"/>
+          <a:ext cx="0" cy="0"/>
+          <a:chOff x="0" y="0"/>
+          <a:chExt cx="0" cy="0"/>
+        </a:xfrm>
+      </p:grpSpPr>
+    </p:spTree>
+    <p:extLst>
+      <p:ext uri="{BB962C8B-B14F-4D97-AF65-F5344CB8AC3E}">
+        <p14:creationId xmlns:p14="http://schemas.microsoft.com/office/powerpoint/2010/main" val="2785340677"/>
+      </p:ext>
+    </p:extLst>
+  </p:cSld>
+  <p:clrMapOvr>
+    <a:masterClrMapping/>
+  </p:clrMapOvr>
+</p:sld>
+</file>
+
+<file path=ppt/slides/slide23.xml><?xml version="1.0" encoding="utf-8"?>
+<p:sld xmlns:a="http://schemas.openxmlformats.org/drawingml/2006/main" xmlns:r="http://schemas.openxmlformats.org/officeDocument/2006/relationships" xmlns:p="http://schemas.openxmlformats.org/presentationml/2006/main">
+  <p:cSld>
+    <p:spTree>
+      <p:nvGrpSpPr>
+        <p:cNvPr id="1" name=""/>
+        <p:cNvGrpSpPr/>
+        <p:nvPr/>
+      </p:nvGrpSpPr>
+      <p:grpSpPr>
+        <a:xfrm>
+          <a:off x="0" y="0"/>
+          <a:ext cx="0" cy="0"/>
+          <a:chOff x="0" y="0"/>
+          <a:chExt cx="0" cy="0"/>
+        </a:xfrm>
+      </p:grpSpPr>
+    </p:spTree>
+    <p:extLst>
+      <p:ext uri="{BB962C8B-B14F-4D97-AF65-F5344CB8AC3E}">
+        <p14:creationId xmlns:p14="http://schemas.microsoft.com/office/powerpoint/2010/main" val="868889656"/>
+      </p:ext>
+    </p:extLst>
+  </p:cSld>
+  <p:clrMapOvr>
+    <a:masterClrMapping/>
+  </p:clrMapOvr>
+</p:sld>
+</file>
+
+<file path=ppt/slides/slide24.xml><?xml version="1.0" encoding="utf-8"?>
+<p:sld xmlns:a="http://schemas.openxmlformats.org/drawingml/2006/main" xmlns:r="http://schemas.openxmlformats.org/officeDocument/2006/relationships" xmlns:p="http://schemas.openxmlformats.org/presentationml/2006/main">
+  <p:cSld>
+    <p:spTree>
+      <p:nvGrpSpPr>
+        <p:cNvPr id="1" name=""/>
+        <p:cNvGrpSpPr/>
+        <p:nvPr/>
+      </p:nvGrpSpPr>
+      <p:grpSpPr>
+        <a:xfrm>
+          <a:off x="0" y="0"/>
+          <a:ext cx="0" cy="0"/>
+          <a:chOff x="0" y="0"/>
+          <a:chExt cx="0" cy="0"/>
+        </a:xfrm>
+      </p:grpSpPr>
+    </p:spTree>
+    <p:extLst>
+      <p:ext uri="{BB962C8B-B14F-4D97-AF65-F5344CB8AC3E}">
+        <p14:creationId xmlns:p14="http://schemas.microsoft.com/office/powerpoint/2010/main" val="2678220078"/>
+      </p:ext>
+    </p:extLst>
+  </p:cSld>
+  <p:clrMapOvr>
+    <a:masterClrMapping/>
+  </p:clrMapOvr>
+</p:sld>
+</file>
+
+<file path=ppt/slides/slide25.xml><?xml version="1.0" encoding="utf-8"?>
+<p:sld xmlns:a="http://schemas.openxmlformats.org/drawingml/2006/main" xmlns:r="http://schemas.openxmlformats.org/officeDocument/2006/relationships" xmlns:p="http://schemas.openxmlformats.org/presentationml/2006/main">
+  <p:cSld>
+    <p:spTree>
+      <p:nvGrpSpPr>
+        <p:cNvPr id="1" name=""/>
+        <p:cNvGrpSpPr/>
+        <p:nvPr/>
+      </p:nvGrpSpPr>
+      <p:grpSpPr>
+        <a:xfrm>
+          <a:off x="0" y="0"/>
+          <a:ext cx="0" cy="0"/>
+          <a:chOff x="0" y="0"/>
+          <a:chExt cx="0" cy="0"/>
+        </a:xfrm>
+      </p:grpSpPr>
+    </p:spTree>
+    <p:extLst>
+      <p:ext uri="{BB962C8B-B14F-4D97-AF65-F5344CB8AC3E}">
+        <p14:creationId xmlns:p14="http://schemas.microsoft.com/office/powerpoint/2010/main" val="46141785"/>
+      </p:ext>
+    </p:extLst>
+  </p:cSld>
+  <p:clrMapOvr>
+    <a:masterClrMapping/>
+  </p:clrMapOvr>
+</p:sld>
+</file>
+
+<file path=ppt/slides/slide26.xml><?xml version="1.0" encoding="utf-8"?>
+<p:sld xmlns:a="http://schemas.openxmlformats.org/drawingml/2006/main" xmlns:r="http://schemas.openxmlformats.org/officeDocument/2006/relationships" xmlns:p="http://schemas.openxmlformats.org/presentationml/2006/main">
+  <p:cSld>
+    <p:spTree>
+      <p:nvGrpSpPr>
+        <p:cNvPr id="1" name=""/>
+        <p:cNvGrpSpPr/>
+        <p:nvPr/>
+      </p:nvGrpSpPr>
+      <p:grpSpPr>
+        <a:xfrm>
+          <a:off x="0" y="0"/>
+          <a:ext cx="0" cy="0"/>
+          <a:chOff x="0" y="0"/>
+          <a:chExt cx="0" cy="0"/>
+        </a:xfrm>
+      </p:grpSpPr>
+    </p:spTree>
+    <p:extLst>
+      <p:ext uri="{BB962C8B-B14F-4D97-AF65-F5344CB8AC3E}">
+        <p14:creationId xmlns:p14="http://schemas.microsoft.com/office/powerpoint/2010/main" val="715776678"/>
+      </p:ext>
+    </p:extLst>
+  </p:cSld>
+  <p:clrMapOvr>
+    <a:masterClrMapping/>
+  </p:clrMapOvr>
+</p:sld>
+</file>
+
+<file path=ppt/slides/slide27.xml><?xml version="1.0" encoding="utf-8"?>
+<p:sld xmlns:a="http://schemas.openxmlformats.org/drawingml/2006/main" xmlns:r="http://schemas.openxmlformats.org/officeDocument/2006/relationships" xmlns:p="http://schemas.openxmlformats.org/presentationml/2006/main">
+  <p:cSld>
+    <p:spTree>
+      <p:nvGrpSpPr>
+        <p:cNvPr id="1" name=""/>
+        <p:cNvGrpSpPr/>
+        <p:nvPr/>
+      </p:nvGrpSpPr>
+      <p:grpSpPr>
+        <a:xfrm>
+          <a:off x="0" y="0"/>
+          <a:ext cx="0" cy="0"/>
+          <a:chOff x="0" y="0"/>
+          <a:chExt cx="0" cy="0"/>
+        </a:xfrm>
+      </p:grpSpPr>
+    </p:spTree>
+    <p:extLst>
+      <p:ext uri="{BB962C8B-B14F-4D97-AF65-F5344CB8AC3E}">
+        <p14:creationId xmlns:p14="http://schemas.microsoft.com/office/powerpoint/2010/main" val="3120673032"/>
       </p:ext>
     </p:extLst>
   </p:cSld>
@@ -4935,6 +5824,56 @@
           </a:prstGeom>
         </p:spPr>
       </p:pic>
+      <p:sp>
+        <p:nvSpPr>
+          <p:cNvPr id="2" name="Footer Placeholder 1" hidden="1">
+            <a:extLst>
+              <a:ext uri="{FF2B5EF4-FFF2-40B4-BE49-F238E27FC236}">
+                <a16:creationId xmlns:a16="http://schemas.microsoft.com/office/drawing/2014/main" id="{4E5432DE-CC6D-48F2-86FE-EF6F7C49846A}"/>
+              </a:ext>
+            </a:extLst>
+          </p:cNvPr>
+          <p:cNvSpPr>
+            <a:spLocks noGrp="1"/>
+          </p:cNvSpPr>
+          <p:nvPr>
+            <p:ph type="ftr" sz="quarter" idx="11"/>
+          </p:nvPr>
+        </p:nvSpPr>
+        <p:spPr/>
+        <p:txBody>
+          <a:bodyPr/>
+          <a:lstStyle/>
+          <a:p>
+            <a:endParaRPr lang="en-IL"/>
+          </a:p>
+        </p:txBody>
+      </p:sp>
+      <p:sp>
+        <p:nvSpPr>
+          <p:cNvPr id="3" name="Date Placeholder 2" hidden="1">
+            <a:extLst>
+              <a:ext uri="{FF2B5EF4-FFF2-40B4-BE49-F238E27FC236}">
+                <a16:creationId xmlns:a16="http://schemas.microsoft.com/office/drawing/2014/main" id="{CD257A23-9447-4C18-AC91-B4F48DEB5AED}"/>
+              </a:ext>
+            </a:extLst>
+          </p:cNvPr>
+          <p:cNvSpPr>
+            <a:spLocks noGrp="1"/>
+          </p:cNvSpPr>
+          <p:nvPr>
+            <p:ph type="dt" sz="half" idx="10"/>
+          </p:nvPr>
+        </p:nvSpPr>
+        <p:spPr/>
+        <p:txBody>
+          <a:bodyPr/>
+          <a:lstStyle/>
+          <a:p>
+            <a:endParaRPr lang="en-IL"/>
+          </a:p>
+        </p:txBody>
+      </p:sp>
     </p:spTree>
     <p:extLst>
       <p:ext uri="{BB962C8B-B14F-4D97-AF65-F5344CB8AC3E}">
@@ -5061,6 +6000,56 @@
           </a:prstGeom>
         </p:spPr>
       </p:pic>
+      <p:sp>
+        <p:nvSpPr>
+          <p:cNvPr id="2" name="Footer Placeholder 1" hidden="1">
+            <a:extLst>
+              <a:ext uri="{FF2B5EF4-FFF2-40B4-BE49-F238E27FC236}">
+                <a16:creationId xmlns:a16="http://schemas.microsoft.com/office/drawing/2014/main" id="{6E998D10-CDD7-4516-A8EA-4841EF395384}"/>
+              </a:ext>
+            </a:extLst>
+          </p:cNvPr>
+          <p:cNvSpPr>
+            <a:spLocks noGrp="1"/>
+          </p:cNvSpPr>
+          <p:nvPr>
+            <p:ph type="ftr" sz="quarter" idx="11"/>
+          </p:nvPr>
+        </p:nvSpPr>
+        <p:spPr/>
+        <p:txBody>
+          <a:bodyPr/>
+          <a:lstStyle/>
+          <a:p>
+            <a:endParaRPr lang="en-IL"/>
+          </a:p>
+        </p:txBody>
+      </p:sp>
+      <p:sp>
+        <p:nvSpPr>
+          <p:cNvPr id="4" name="Date Placeholder 3" hidden="1">
+            <a:extLst>
+              <a:ext uri="{FF2B5EF4-FFF2-40B4-BE49-F238E27FC236}">
+                <a16:creationId xmlns:a16="http://schemas.microsoft.com/office/drawing/2014/main" id="{F85E3616-BA54-4F2D-9CDC-2F795DF30AE2}"/>
+              </a:ext>
+            </a:extLst>
+          </p:cNvPr>
+          <p:cNvSpPr>
+            <a:spLocks noGrp="1"/>
+          </p:cNvSpPr>
+          <p:nvPr>
+            <p:ph type="dt" sz="half" idx="10"/>
+          </p:nvPr>
+        </p:nvSpPr>
+        <p:spPr/>
+        <p:txBody>
+          <a:bodyPr/>
+          <a:lstStyle/>
+          <a:p>
+            <a:endParaRPr lang="en-IL"/>
+          </a:p>
+        </p:txBody>
+      </p:sp>
     </p:spTree>
     <p:extLst>
       <p:ext uri="{BB962C8B-B14F-4D97-AF65-F5344CB8AC3E}">
@@ -5127,6 +6116,56 @@
           </a:prstGeom>
         </p:spPr>
       </p:pic>
+      <p:sp>
+        <p:nvSpPr>
+          <p:cNvPr id="2" name="Footer Placeholder 1" hidden="1">
+            <a:extLst>
+              <a:ext uri="{FF2B5EF4-FFF2-40B4-BE49-F238E27FC236}">
+                <a16:creationId xmlns:a16="http://schemas.microsoft.com/office/drawing/2014/main" id="{0476DDC9-9D71-4C35-A870-D1CA8982D96E}"/>
+              </a:ext>
+            </a:extLst>
+          </p:cNvPr>
+          <p:cNvSpPr>
+            <a:spLocks noGrp="1"/>
+          </p:cNvSpPr>
+          <p:nvPr>
+            <p:ph type="ftr" sz="quarter" idx="11"/>
+          </p:nvPr>
+        </p:nvSpPr>
+        <p:spPr/>
+        <p:txBody>
+          <a:bodyPr/>
+          <a:lstStyle/>
+          <a:p>
+            <a:endParaRPr lang="en-IL"/>
+          </a:p>
+        </p:txBody>
+      </p:sp>
+      <p:sp>
+        <p:nvSpPr>
+          <p:cNvPr id="3" name="Date Placeholder 2" hidden="1">
+            <a:extLst>
+              <a:ext uri="{FF2B5EF4-FFF2-40B4-BE49-F238E27FC236}">
+                <a16:creationId xmlns:a16="http://schemas.microsoft.com/office/drawing/2014/main" id="{B78C5DF2-B246-4500-B946-30E69047BEBD}"/>
+              </a:ext>
+            </a:extLst>
+          </p:cNvPr>
+          <p:cNvSpPr>
+            <a:spLocks noGrp="1"/>
+          </p:cNvSpPr>
+          <p:nvPr>
+            <p:ph type="dt" sz="half" idx="10"/>
+          </p:nvPr>
+        </p:nvSpPr>
+        <p:spPr/>
+        <p:txBody>
+          <a:bodyPr/>
+          <a:lstStyle/>
+          <a:p>
+            <a:endParaRPr lang="en-IL"/>
+          </a:p>
+        </p:txBody>
+      </p:sp>
     </p:spTree>
     <p:extLst>
       <p:ext uri="{BB962C8B-B14F-4D97-AF65-F5344CB8AC3E}">
@@ -5313,6 +6352,56 @@
           </a:prstGeom>
         </p:spPr>
       </p:pic>
+      <p:sp>
+        <p:nvSpPr>
+          <p:cNvPr id="2" name="Footer Placeholder 1" hidden="1">
+            <a:extLst>
+              <a:ext uri="{FF2B5EF4-FFF2-40B4-BE49-F238E27FC236}">
+                <a16:creationId xmlns:a16="http://schemas.microsoft.com/office/drawing/2014/main" id="{A9366D4A-FE2D-4ED4-B455-44FF785DBF31}"/>
+              </a:ext>
+            </a:extLst>
+          </p:cNvPr>
+          <p:cNvSpPr>
+            <a:spLocks noGrp="1"/>
+          </p:cNvSpPr>
+          <p:nvPr>
+            <p:ph type="ftr" sz="quarter" idx="11"/>
+          </p:nvPr>
+        </p:nvSpPr>
+        <p:spPr/>
+        <p:txBody>
+          <a:bodyPr/>
+          <a:lstStyle/>
+          <a:p>
+            <a:endParaRPr lang="en-IL"/>
+          </a:p>
+        </p:txBody>
+      </p:sp>
+      <p:sp>
+        <p:nvSpPr>
+          <p:cNvPr id="4" name="Date Placeholder 3" hidden="1">
+            <a:extLst>
+              <a:ext uri="{FF2B5EF4-FFF2-40B4-BE49-F238E27FC236}">
+                <a16:creationId xmlns:a16="http://schemas.microsoft.com/office/drawing/2014/main" id="{4DD69BA0-F00C-465F-B8A2-3A947B0FDF17}"/>
+              </a:ext>
+            </a:extLst>
+          </p:cNvPr>
+          <p:cNvSpPr>
+            <a:spLocks noGrp="1"/>
+          </p:cNvSpPr>
+          <p:nvPr>
+            <p:ph type="dt" sz="half" idx="10"/>
+          </p:nvPr>
+        </p:nvSpPr>
+        <p:spPr/>
+        <p:txBody>
+          <a:bodyPr/>
+          <a:lstStyle/>
+          <a:p>
+            <a:endParaRPr lang="en-IL"/>
+          </a:p>
+        </p:txBody>
+      </p:sp>
     </p:spTree>
     <p:extLst>
       <p:ext uri="{BB962C8B-B14F-4D97-AF65-F5344CB8AC3E}">
@@ -5469,6 +6558,56 @@
           </a:prstGeom>
         </p:spPr>
       </p:pic>
+      <p:sp>
+        <p:nvSpPr>
+          <p:cNvPr id="2" name="Footer Placeholder 1" hidden="1">
+            <a:extLst>
+              <a:ext uri="{FF2B5EF4-FFF2-40B4-BE49-F238E27FC236}">
+                <a16:creationId xmlns:a16="http://schemas.microsoft.com/office/drawing/2014/main" id="{F8608113-9566-490C-A333-E50E39CF8D79}"/>
+              </a:ext>
+            </a:extLst>
+          </p:cNvPr>
+          <p:cNvSpPr>
+            <a:spLocks noGrp="1"/>
+          </p:cNvSpPr>
+          <p:nvPr>
+            <p:ph type="ftr" sz="quarter" idx="11"/>
+          </p:nvPr>
+        </p:nvSpPr>
+        <p:spPr/>
+        <p:txBody>
+          <a:bodyPr/>
+          <a:lstStyle/>
+          <a:p>
+            <a:endParaRPr lang="en-IL"/>
+          </a:p>
+        </p:txBody>
+      </p:sp>
+      <p:sp>
+        <p:nvSpPr>
+          <p:cNvPr id="4" name="Date Placeholder 3" hidden="1">
+            <a:extLst>
+              <a:ext uri="{FF2B5EF4-FFF2-40B4-BE49-F238E27FC236}">
+                <a16:creationId xmlns:a16="http://schemas.microsoft.com/office/drawing/2014/main" id="{4371C204-6209-4004-8293-254D74B9E42E}"/>
+              </a:ext>
+            </a:extLst>
+          </p:cNvPr>
+          <p:cNvSpPr>
+            <a:spLocks noGrp="1"/>
+          </p:cNvSpPr>
+          <p:nvPr>
+            <p:ph type="dt" sz="half" idx="10"/>
+          </p:nvPr>
+        </p:nvSpPr>
+        <p:spPr/>
+        <p:txBody>
+          <a:bodyPr/>
+          <a:lstStyle/>
+          <a:p>
+            <a:endParaRPr lang="en-IL"/>
+          </a:p>
+        </p:txBody>
+      </p:sp>
     </p:spTree>
     <p:extLst>
       <p:ext uri="{BB962C8B-B14F-4D97-AF65-F5344CB8AC3E}">
@@ -5652,6 +6791,56 @@
           </a:prstGeom>
         </p:spPr>
       </p:pic>
+      <p:sp>
+        <p:nvSpPr>
+          <p:cNvPr id="3" name="Footer Placeholder 2" hidden="1">
+            <a:extLst>
+              <a:ext uri="{FF2B5EF4-FFF2-40B4-BE49-F238E27FC236}">
+                <a16:creationId xmlns:a16="http://schemas.microsoft.com/office/drawing/2014/main" id="{4CA38387-1CA7-4C36-84A6-34BEDEB153E1}"/>
+              </a:ext>
+            </a:extLst>
+          </p:cNvPr>
+          <p:cNvSpPr>
+            <a:spLocks noGrp="1"/>
+          </p:cNvSpPr>
+          <p:nvPr>
+            <p:ph type="ftr" sz="quarter" idx="11"/>
+          </p:nvPr>
+        </p:nvSpPr>
+        <p:spPr/>
+        <p:txBody>
+          <a:bodyPr/>
+          <a:lstStyle/>
+          <a:p>
+            <a:endParaRPr lang="en-IL"/>
+          </a:p>
+        </p:txBody>
+      </p:sp>
+      <p:sp>
+        <p:nvSpPr>
+          <p:cNvPr id="4" name="Date Placeholder 3" hidden="1">
+            <a:extLst>
+              <a:ext uri="{FF2B5EF4-FFF2-40B4-BE49-F238E27FC236}">
+                <a16:creationId xmlns:a16="http://schemas.microsoft.com/office/drawing/2014/main" id="{211DFA68-E45C-4BC4-A8A3-31458EFAEF40}"/>
+              </a:ext>
+            </a:extLst>
+          </p:cNvPr>
+          <p:cNvSpPr>
+            <a:spLocks noGrp="1"/>
+          </p:cNvSpPr>
+          <p:nvPr>
+            <p:ph type="dt" sz="half" idx="10"/>
+          </p:nvPr>
+        </p:nvSpPr>
+        <p:spPr/>
+        <p:txBody>
+          <a:bodyPr/>
+          <a:lstStyle/>
+          <a:p>
+            <a:endParaRPr lang="en-IL"/>
+          </a:p>
+        </p:txBody>
+      </p:sp>
     </p:spTree>
     <p:extLst>
       <p:ext uri="{BB962C8B-B14F-4D97-AF65-F5344CB8AC3E}">
@@ -5712,6 +6901,56 @@
           </a:prstGeom>
         </p:spPr>
       </p:pic>
+      <p:sp>
+        <p:nvSpPr>
+          <p:cNvPr id="2" name="Footer Placeholder 1" hidden="1">
+            <a:extLst>
+              <a:ext uri="{FF2B5EF4-FFF2-40B4-BE49-F238E27FC236}">
+                <a16:creationId xmlns:a16="http://schemas.microsoft.com/office/drawing/2014/main" id="{07A73FAF-710C-46FE-9052-4970B54821C5}"/>
+              </a:ext>
+            </a:extLst>
+          </p:cNvPr>
+          <p:cNvSpPr>
+            <a:spLocks noGrp="1"/>
+          </p:cNvSpPr>
+          <p:nvPr>
+            <p:ph type="ftr" sz="quarter" idx="11"/>
+          </p:nvPr>
+        </p:nvSpPr>
+        <p:spPr/>
+        <p:txBody>
+          <a:bodyPr/>
+          <a:lstStyle/>
+          <a:p>
+            <a:endParaRPr lang="en-IL"/>
+          </a:p>
+        </p:txBody>
+      </p:sp>
+      <p:sp>
+        <p:nvSpPr>
+          <p:cNvPr id="3" name="Date Placeholder 2" hidden="1">
+            <a:extLst>
+              <a:ext uri="{FF2B5EF4-FFF2-40B4-BE49-F238E27FC236}">
+                <a16:creationId xmlns:a16="http://schemas.microsoft.com/office/drawing/2014/main" id="{17BEF383-E2D7-4767-8691-B2D9F6092EC2}"/>
+              </a:ext>
+            </a:extLst>
+          </p:cNvPr>
+          <p:cNvSpPr>
+            <a:spLocks noGrp="1"/>
+          </p:cNvSpPr>
+          <p:nvPr>
+            <p:ph type="dt" sz="half" idx="10"/>
+          </p:nvPr>
+        </p:nvSpPr>
+        <p:spPr/>
+        <p:txBody>
+          <a:bodyPr/>
+          <a:lstStyle/>
+          <a:p>
+            <a:endParaRPr lang="en-IL"/>
+          </a:p>
+        </p:txBody>
+      </p:sp>
     </p:spTree>
     <p:extLst>
       <p:ext uri="{BB962C8B-B14F-4D97-AF65-F5344CB8AC3E}">
